--- a/Диплом/170614-08-Елкин.pptx
+++ b/Диплом/170614-08-Елкин.pptx
@@ -5,7 +5,7 @@
     <p:sldMasterId id="2147483648" r:id="rId1"/>
   </p:sldMasterIdLst>
   <p:notesMasterIdLst>
-    <p:notesMasterId r:id="rId13"/>
+    <p:notesMasterId r:id="rId14"/>
   </p:notesMasterIdLst>
   <p:sldIdLst>
     <p:sldId id="256" r:id="rId2"/>
@@ -14,11 +14,12 @@
     <p:sldId id="259" r:id="rId5"/>
     <p:sldId id="261" r:id="rId6"/>
     <p:sldId id="262" r:id="rId7"/>
-    <p:sldId id="267" r:id="rId8"/>
-    <p:sldId id="268" r:id="rId9"/>
-    <p:sldId id="269" r:id="rId10"/>
-    <p:sldId id="270" r:id="rId11"/>
-    <p:sldId id="266" r:id="rId12"/>
+    <p:sldId id="271" r:id="rId8"/>
+    <p:sldId id="267" r:id="rId9"/>
+    <p:sldId id="268" r:id="rId10"/>
+    <p:sldId id="269" r:id="rId11"/>
+    <p:sldId id="270" r:id="rId12"/>
+    <p:sldId id="266" r:id="rId13"/>
   </p:sldIdLst>
   <p:sldSz cx="12192000" cy="6858000"/>
   <p:notesSz cx="6858000" cy="9144000"/>
@@ -218,7 +219,7 @@
           <a:p>
             <a:fld id="{CADAC572-2555-4EB2-9414-C5CE58C9AB6E}" type="datetimeFigureOut">
               <a:rPr lang="en-US" smtClean="0"/>
-              <a:t>6/10/2014</a:t>
+              <a:t>6/11/2014</a:t>
             </a:fld>
             <a:endParaRPr lang="en-US"/>
           </a:p>
@@ -635,7 +636,7 @@
           <a:p>
             <a:fld id="{FF1E8D69-ACD5-4714-B603-2193EB0E3A15}" type="slidenum">
               <a:rPr lang="en-US" smtClean="0"/>
-              <a:t>11</a:t>
+              <a:t>12</a:t>
             </a:fld>
             <a:endParaRPr lang="en-US"/>
           </a:p>
@@ -880,7 +881,7 @@
           <a:p>
             <a:fld id="{E4DF18C8-4555-4837-961E-82E58E54CAB6}" type="datetime1">
               <a:rPr lang="en-US" smtClean="0"/>
-              <a:t>6/10/2014</a:t>
+              <a:t>6/11/2014</a:t>
             </a:fld>
             <a:endParaRPr lang="en-US" dirty="0"/>
           </a:p>
@@ -1087,7 +1088,7 @@
           <a:p>
             <a:fld id="{954E0191-E235-4B07-B477-AB56268BFA89}" type="datetime1">
               <a:rPr lang="en-US" smtClean="0"/>
-              <a:t>6/10/2014</a:t>
+              <a:t>6/11/2014</a:t>
             </a:fld>
             <a:endParaRPr lang="en-US" dirty="0"/>
           </a:p>
@@ -1342,7 +1343,7 @@
           <a:p>
             <a:fld id="{C8EBC924-FB44-4F9E-834C-ABF55B01DF25}" type="datetime1">
               <a:rPr lang="en-US" smtClean="0"/>
-              <a:t>6/10/2014</a:t>
+              <a:t>6/11/2014</a:t>
             </a:fld>
             <a:endParaRPr lang="en-US" dirty="0"/>
           </a:p>
@@ -1515,7 +1516,7 @@
           <a:p>
             <a:fld id="{3BEA7935-EFE8-44F3-B357-17EBA51E41F5}" type="datetime1">
               <a:rPr lang="en-US" smtClean="0"/>
-              <a:t>6/10/2014</a:t>
+              <a:t>6/11/2014</a:t>
             </a:fld>
             <a:endParaRPr lang="en-US" dirty="0"/>
           </a:p>
@@ -1857,7 +1858,7 @@
           <a:p>
             <a:fld id="{15A51052-B13A-4871-9CEF-151A7C717842}" type="datetime1">
               <a:rPr lang="en-US" smtClean="0"/>
-              <a:t>6/10/2014</a:t>
+              <a:t>6/11/2014</a:t>
             </a:fld>
             <a:endParaRPr lang="en-US" dirty="0"/>
           </a:p>
@@ -2131,7 +2132,7 @@
           <a:p>
             <a:fld id="{EA4E4237-90A6-45D0-8CC4-1211502FCD72}" type="datetime1">
               <a:rPr lang="en-US" smtClean="0"/>
-              <a:t>6/10/2014</a:t>
+              <a:t>6/11/2014</a:t>
             </a:fld>
             <a:endParaRPr lang="en-US" dirty="0"/>
           </a:p>
@@ -2509,7 +2510,7 @@
           <a:p>
             <a:fld id="{895E8A42-0E4D-43A4-838B-5FBE88A4ECE0}" type="datetime1">
               <a:rPr lang="en-US" smtClean="0"/>
-              <a:t>6/10/2014</a:t>
+              <a:t>6/11/2014</a:t>
             </a:fld>
             <a:endParaRPr lang="en-US" dirty="0"/>
           </a:p>
@@ -2626,7 +2627,7 @@
           <a:p>
             <a:fld id="{6DA1DEAE-F132-49A2-88AF-47979DED8426}" type="datetime1">
               <a:rPr lang="en-US" smtClean="0"/>
-              <a:t>6/10/2014</a:t>
+              <a:t>6/11/2014</a:t>
             </a:fld>
             <a:endParaRPr lang="en-US" dirty="0"/>
           </a:p>
@@ -2796,7 +2797,7 @@
           <a:p>
             <a:fld id="{B06FB53E-DD9A-4AC3-AADD-93B2F9E9B734}" type="datetime1">
               <a:rPr lang="en-US" smtClean="0"/>
-              <a:t>6/10/2014</a:t>
+              <a:t>6/11/2014</a:t>
             </a:fld>
             <a:endParaRPr lang="en-US" dirty="0"/>
           </a:p>
@@ -3150,7 +3151,7 @@
           <a:p>
             <a:fld id="{94BCA291-320C-40FC-BA17-CE69691E6828}" type="datetime1">
               <a:rPr lang="en-US" smtClean="0"/>
-              <a:t>6/10/2014</a:t>
+              <a:t>6/11/2014</a:t>
             </a:fld>
             <a:endParaRPr lang="en-US" dirty="0"/>
           </a:p>
@@ -3532,7 +3533,7 @@
           <a:p>
             <a:fld id="{F0F79FC9-EEF6-4B83-A4BB-2EF447229EC5}" type="datetime1">
               <a:rPr lang="en-US" smtClean="0"/>
-              <a:t>6/10/2014</a:t>
+              <a:t>6/11/2014</a:t>
             </a:fld>
             <a:endParaRPr lang="en-US" dirty="0"/>
           </a:p>
@@ -3818,7 +3819,7 @@
           <a:p>
             <a:fld id="{D49932F2-2AC7-4207-A802-AD5860F32845}" type="datetime1">
               <a:rPr lang="en-US" smtClean="0"/>
-              <a:t>6/10/2014</a:t>
+              <a:t>6/11/2014</a:t>
             </a:fld>
             <a:endParaRPr lang="en-US" dirty="0"/>
           </a:p>
@@ -4447,7 +4448,7 @@
             </a:fld>
             <a:r>
               <a:rPr lang="ru-RU" dirty="0" smtClean="0"/>
-              <a:t>/11</a:t>
+              <a:t>/12</a:t>
             </a:r>
             <a:endParaRPr lang="en-US" dirty="0"/>
           </a:p>
@@ -4525,6 +4526,168 @@
         </p:nvSpPr>
         <p:spPr/>
         <p:txBody>
+          <a:bodyPr/>
+          <a:lstStyle/>
+          <a:p>
+            <a:r>
+              <a:rPr lang="ru-RU" dirty="0" smtClean="0"/>
+              <a:t>Исходное контрольное и размытое изображение</a:t>
+            </a:r>
+            <a:endParaRPr lang="en-US" dirty="0"/>
+          </a:p>
+        </p:txBody>
+      </p:sp>
+      <p:pic>
+        <p:nvPicPr>
+          <p:cNvPr id="6" name="Content Placeholder 5"/>
+          <p:cNvPicPr>
+            <a:picLocks noGrp="1" noChangeAspect="1"/>
+          </p:cNvPicPr>
+          <p:nvPr>
+            <p:ph idx="1"/>
+          </p:nvPr>
+        </p:nvPicPr>
+        <p:blipFill>
+          <a:blip r:embed="rId2">
+            <a:extLst>
+              <a:ext uri="{28A0092B-C50C-407E-A947-70E740481C1C}">
+                <a14:useLocalDpi xmlns:a14="http://schemas.microsoft.com/office/drawing/2010/main" val="0"/>
+              </a:ext>
+            </a:extLst>
+          </a:blip>
+          <a:stretch>
+            <a:fillRect/>
+          </a:stretch>
+        </p:blipFill>
+        <p:spPr>
+          <a:xfrm>
+            <a:off x="7440930" y="1952625"/>
+            <a:ext cx="3714750" cy="3810000"/>
+          </a:xfrm>
+        </p:spPr>
+      </p:pic>
+      <p:sp>
+        <p:nvSpPr>
+          <p:cNvPr id="4" name="Footer Placeholder 3"/>
+          <p:cNvSpPr>
+            <a:spLocks noGrp="1"/>
+          </p:cNvSpPr>
+          <p:nvPr>
+            <p:ph type="ftr" sz="quarter" idx="11"/>
+          </p:nvPr>
+        </p:nvSpPr>
+        <p:spPr/>
+        <p:txBody>
+          <a:bodyPr/>
+          <a:lstStyle/>
+          <a:p>
+            <a:r>
+              <a:rPr lang="ru-RU" smtClean="0"/>
+              <a:t>Разработка алгоритмов нелинейной фильтрации на основе идентификации линейных по параметрам моделей, Елкин Д. А.</a:t>
+            </a:r>
+            <a:endParaRPr lang="en-US" dirty="0"/>
+          </a:p>
+        </p:txBody>
+      </p:sp>
+      <p:sp>
+        <p:nvSpPr>
+          <p:cNvPr id="5" name="Slide Number Placeholder 4"/>
+          <p:cNvSpPr>
+            <a:spLocks noGrp="1"/>
+          </p:cNvSpPr>
+          <p:nvPr>
+            <p:ph type="sldNum" sz="quarter" idx="12"/>
+          </p:nvPr>
+        </p:nvSpPr>
+        <p:spPr/>
+        <p:txBody>
+          <a:bodyPr/>
+          <a:lstStyle/>
+          <a:p>
+            <a:fld id="{6113E31D-E2AB-40D1-8B51-AFA5AFEF393A}" type="slidenum">
+              <a:rPr lang="en-US" smtClean="0"/>
+              <a:t>10</a:t>
+            </a:fld>
+            <a:r>
+              <a:rPr lang="ru-RU" dirty="0" smtClean="0"/>
+              <a:t>/12</a:t>
+            </a:r>
+            <a:endParaRPr lang="en-US" dirty="0"/>
+          </a:p>
+        </p:txBody>
+      </p:sp>
+      <p:pic>
+        <p:nvPicPr>
+          <p:cNvPr id="7" name="Picture 6"/>
+          <p:cNvPicPr>
+            <a:picLocks noChangeAspect="1"/>
+          </p:cNvPicPr>
+          <p:nvPr/>
+        </p:nvPicPr>
+        <p:blipFill>
+          <a:blip r:embed="rId3">
+            <a:extLst>
+              <a:ext uri="{28A0092B-C50C-407E-A947-70E740481C1C}">
+                <a14:useLocalDpi xmlns:a14="http://schemas.microsoft.com/office/drawing/2010/main" val="0"/>
+              </a:ext>
+            </a:extLst>
+          </a:blip>
+          <a:stretch>
+            <a:fillRect/>
+          </a:stretch>
+        </p:blipFill>
+        <p:spPr>
+          <a:xfrm>
+            <a:off x="1097280" y="1952625"/>
+            <a:ext cx="3714750" cy="3810000"/>
+          </a:xfrm>
+          <a:prstGeom prst="rect">
+            <a:avLst/>
+          </a:prstGeom>
+        </p:spPr>
+      </p:pic>
+    </p:spTree>
+    <p:extLst>
+      <p:ext uri="{BB962C8B-B14F-4D97-AF65-F5344CB8AC3E}">
+        <p14:creationId xmlns:p14="http://schemas.microsoft.com/office/powerpoint/2010/main" val="3578731368"/>
+      </p:ext>
+    </p:extLst>
+  </p:cSld>
+  <p:clrMapOvr>
+    <a:masterClrMapping/>
+  </p:clrMapOvr>
+</p:sld>
+</file>
+
+<file path=ppt/slides/slide11.xml><?xml version="1.0" encoding="utf-8"?>
+<p:sld xmlns:a="http://schemas.openxmlformats.org/drawingml/2006/main" xmlns:r="http://schemas.openxmlformats.org/officeDocument/2006/relationships" xmlns:p="http://schemas.openxmlformats.org/presentationml/2006/main">
+  <p:cSld>
+    <p:spTree>
+      <p:nvGrpSpPr>
+        <p:cNvPr id="1" name=""/>
+        <p:cNvGrpSpPr/>
+        <p:nvPr/>
+      </p:nvGrpSpPr>
+      <p:grpSpPr>
+        <a:xfrm>
+          <a:off x="0" y="0"/>
+          <a:ext cx="0" cy="0"/>
+          <a:chOff x="0" y="0"/>
+          <a:chExt cx="0" cy="0"/>
+        </a:xfrm>
+      </p:grpSpPr>
+      <p:sp>
+        <p:nvSpPr>
+          <p:cNvPr id="2" name="Title 1"/>
+          <p:cNvSpPr>
+            <a:spLocks noGrp="1"/>
+          </p:cNvSpPr>
+          <p:nvPr>
+            <p:ph type="title"/>
+          </p:nvPr>
+        </p:nvSpPr>
+        <p:spPr/>
+        <p:txBody>
           <a:bodyPr>
             <a:normAutofit fontScale="90000"/>
           </a:bodyPr>
@@ -4615,11 +4778,11 @@
           <a:p>
             <a:fld id="{6113E31D-E2AB-40D1-8B51-AFA5AFEF393A}" type="slidenum">
               <a:rPr lang="en-US" smtClean="0"/>
-              <a:t>10</a:t>
+              <a:t>11</a:t>
             </a:fld>
             <a:r>
               <a:rPr lang="ru-RU" dirty="0" smtClean="0"/>
-              <a:t>/11</a:t>
+              <a:t>/12</a:t>
             </a:r>
             <a:endParaRPr lang="en-US" dirty="0"/>
           </a:p>
@@ -4728,7 +4891,7 @@
 </p:sld>
 </file>
 
-<file path=ppt/slides/slide11.xml><?xml version="1.0" encoding="utf-8"?>
+<file path=ppt/slides/slide12.xml><?xml version="1.0" encoding="utf-8"?>
 <p:sld xmlns:a="http://schemas.openxmlformats.org/drawingml/2006/main" xmlns:r="http://schemas.openxmlformats.org/officeDocument/2006/relationships" xmlns:p="http://schemas.openxmlformats.org/presentationml/2006/main">
   <p:cSld>
     <p:spTree>
@@ -4799,7 +4962,19 @@
             </a:r>
             <a:r>
               <a:rPr lang="ru-RU" dirty="0"/>
-              <a:t>объектов,  при восстановлении с помощью не линейного фильтра более четкие, чем при восстановлении линейным фильтром</a:t>
+              <a:t>объектов,  при восстановлении с </a:t>
+            </a:r>
+            <a:r>
+              <a:rPr lang="ru-RU"/>
+              <a:t>помощью </a:t>
+            </a:r>
+            <a:r>
+              <a:rPr lang="ru-RU" smtClean="0"/>
+              <a:t>нелинейного </a:t>
+            </a:r>
+            <a:r>
+              <a:rPr lang="ru-RU" dirty="0"/>
+              <a:t>фильтра более четкие, чем при восстановлении линейным фильтром</a:t>
             </a:r>
             <a:r>
               <a:rPr lang="ru-RU" dirty="0" smtClean="0"/>
@@ -4844,11 +5019,11 @@
           <a:p>
             <a:fld id="{6113E31D-E2AB-40D1-8B51-AFA5AFEF393A}" type="slidenum">
               <a:rPr lang="en-US" smtClean="0"/>
-              <a:t>11</a:t>
+              <a:t>12</a:t>
             </a:fld>
             <a:r>
-              <a:rPr lang="ru-RU" smtClean="0"/>
-              <a:t>/11</a:t>
+              <a:rPr lang="ru-RU" dirty="0" smtClean="0"/>
+              <a:t>/12</a:t>
             </a:r>
             <a:endParaRPr lang="en-US" dirty="0"/>
           </a:p>
@@ -4981,7 +5156,7 @@
             </a:fld>
             <a:r>
               <a:rPr lang="ru-RU" dirty="0" smtClean="0"/>
-              <a:t>/11</a:t>
+              <a:t>/12</a:t>
             </a:r>
             <a:endParaRPr lang="en-US" dirty="0"/>
           </a:p>
@@ -5150,7 +5325,7 @@
             </a:fld>
             <a:r>
               <a:rPr lang="ru-RU" dirty="0" smtClean="0"/>
-              <a:t>/11</a:t>
+              <a:t>/12</a:t>
             </a:r>
             <a:endParaRPr lang="en-US" dirty="0"/>
           </a:p>
@@ -5251,18 +5426,31 @@
         </p:nvSpPr>
         <p:spPr/>
         <p:txBody>
-          <a:bodyPr/>
+          <a:bodyPr>
+            <a:normAutofit/>
+          </a:bodyPr>
           <a:lstStyle/>
           <a:p>
             <a:r>
               <a:rPr lang="ru-RU" dirty="0" smtClean="0"/>
               <a:t>Линейный КИХ-фильтр: </a:t>
             </a:r>
+            <a:endParaRPr lang="ru-RU" dirty="0" smtClean="0"/>
+          </a:p>
+          <a:p>
+            <a:pPr marL="0" indent="0">
+              <a:buNone/>
+            </a:pPr>
+            <a:endParaRPr lang="ru-RU" dirty="0" smtClean="0"/>
           </a:p>
           <a:p>
             <a:r>
               <a:rPr lang="ru-RU" dirty="0" smtClean="0"/>
-              <a:t>Отсчеты и параметры в векторном виде:</a:t>
+              <a:t>Отсчеты </a:t>
+            </a:r>
+            <a:r>
+              <a:rPr lang="ru-RU" dirty="0" smtClean="0"/>
+              <a:t>и параметры в векторном виде:</a:t>
             </a:r>
           </a:p>
           <a:p>
@@ -5300,7 +5488,11 @@
             </a:r>
             <a:r>
               <a:rPr lang="ru-RU" dirty="0" smtClean="0"/>
-              <a:t>         -</a:t>
+              <a:t>         </a:t>
+            </a:r>
+            <a:r>
+              <a:rPr lang="ru-RU" dirty="0" smtClean="0"/>
+              <a:t>   -</a:t>
             </a:r>
             <a:r>
               <a:rPr lang="ru-RU" dirty="0"/>
@@ -5308,15 +5500,19 @@
             </a:r>
             <a:r>
               <a:rPr lang="ru-RU" dirty="0" smtClean="0"/>
-              <a:t>   и        </a:t>
-            </a:r>
-            <a:r>
-              <a:rPr lang="ru-RU" dirty="0"/>
-              <a:t>-</a:t>
+              <a:t>   </a:t>
             </a:r>
             <a:r>
               <a:rPr lang="ru-RU" dirty="0" smtClean="0"/>
-              <a:t>вектору               , </a:t>
+              <a:t> и           -</a:t>
+            </a:r>
+            <a:r>
+              <a:rPr lang="ru-RU" dirty="0" smtClean="0"/>
+              <a:t>вектору               </a:t>
+            </a:r>
+            <a:r>
+              <a:rPr lang="ru-RU" dirty="0" smtClean="0"/>
+              <a:t>      , </a:t>
             </a:r>
             <a:r>
               <a:rPr lang="ru-RU" dirty="0"/>
@@ -5327,8 +5523,12 @@
               <a:t>       </a:t>
             </a:r>
             <a:r>
+              <a:rPr lang="ru-RU" dirty="0" smtClean="0"/>
+              <a:t>   -</a:t>
+            </a:r>
+            <a:r>
               <a:rPr lang="ru-RU" dirty="0"/>
-              <a:t>-векторе </a:t>
+              <a:t>векторе </a:t>
             </a:r>
             <a:r>
               <a:rPr lang="ru-RU" dirty="0" smtClean="0"/>
@@ -5342,6 +5542,7 @@
               <a:rPr lang="ru-RU" dirty="0" smtClean="0"/>
               <a:t> </a:t>
             </a:r>
+            <a:endParaRPr lang="ru-RU" b="1" dirty="0" smtClean="0"/>
           </a:p>
           <a:p>
             <a:endParaRPr lang="en-US" dirty="0"/>
@@ -5369,7 +5570,7 @@
             </a:fld>
             <a:r>
               <a:rPr lang="ru-RU" dirty="0" smtClean="0"/>
-              <a:t>/11</a:t>
+              <a:t>/12</a:t>
             </a:r>
             <a:endParaRPr lang="en-US" dirty="0"/>
           </a:p>
@@ -5533,25 +5734,25 @@
           <p:nvPr>
             <p:extLst>
               <p:ext uri="{D42A27DB-BD31-4B8C-83A1-F6EECF244321}">
-                <p14:modId xmlns:p14="http://schemas.microsoft.com/office/powerpoint/2010/main" val="1067003952"/>
+                <p14:modId xmlns:p14="http://schemas.microsoft.com/office/powerpoint/2010/main" val="381485251"/>
               </p:ext>
             </p:extLst>
           </p:nvPr>
         </p:nvGraphicFramePr>
         <p:xfrm>
-          <a:off x="3814763" y="1896251"/>
-          <a:ext cx="6273800" cy="431800"/>
+          <a:off x="3841750" y="1807677"/>
+          <a:ext cx="8013700" cy="1016000"/>
         </p:xfrm>
         <a:graphic>
           <a:graphicData uri="http://schemas.openxmlformats.org/presentationml/2006/ole">
             <mc:AlternateContent xmlns:mc="http://schemas.openxmlformats.org/markup-compatibility/2006">
               <mc:Choice xmlns:v="urn:schemas-microsoft-com:vml" Requires="v">
-                <p:oleObj spid="_x0000_s1318" name="Equation" r:id="rId3" imgW="6273720" imgH="431640" progId="Equation.DSMT4">
+                <p:oleObj spid="_x0000_s1450" name="Equation" r:id="rId3" imgW="8013600" imgH="1015920" progId="Equation.DSMT4">
                   <p:embed/>
                 </p:oleObj>
               </mc:Choice>
               <mc:Fallback>
-                <p:oleObj name="Equation" r:id="rId3" imgW="6273720" imgH="431640" progId="Equation.DSMT4">
+                <p:oleObj name="Equation" r:id="rId3" imgW="8013600" imgH="1015920" progId="Equation.DSMT4">
                   <p:embed/>
                   <p:pic>
                     <p:nvPicPr>
@@ -5570,8 +5771,8 @@
                     </p:blipFill>
                     <p:spPr bwMode="auto">
                       <a:xfrm>
-                        <a:off x="3814763" y="1896251"/>
-                        <a:ext cx="6273800" cy="431800"/>
+                        <a:off x="3841750" y="1807677"/>
+                        <a:ext cx="8013700" cy="1016000"/>
                       </a:xfrm>
                       <a:prstGeom prst="rect">
                         <a:avLst/>
@@ -5666,25 +5867,25 @@
           <p:nvPr>
             <p:extLst>
               <p:ext uri="{D42A27DB-BD31-4B8C-83A1-F6EECF244321}">
-                <p14:modId xmlns:p14="http://schemas.microsoft.com/office/powerpoint/2010/main" val="1114552314"/>
+                <p14:modId xmlns:p14="http://schemas.microsoft.com/office/powerpoint/2010/main" val="323484498"/>
               </p:ext>
             </p:extLst>
           </p:nvPr>
         </p:nvGraphicFramePr>
         <p:xfrm>
-          <a:off x="1592262" y="2688750"/>
-          <a:ext cx="7092950" cy="319087"/>
+          <a:off x="1207610" y="3073990"/>
+          <a:ext cx="10212388" cy="409575"/>
         </p:xfrm>
         <a:graphic>
           <a:graphicData uri="http://schemas.openxmlformats.org/presentationml/2006/ole">
             <mc:AlternateContent xmlns:mc="http://schemas.openxmlformats.org/markup-compatibility/2006">
               <mc:Choice xmlns:v="urn:schemas-microsoft-com:vml" Requires="v">
-                <p:oleObj spid="_x0000_s1319" name="Equation" r:id="rId5" imgW="7073640" imgH="317160" progId="Equation.DSMT4">
+                <p:oleObj spid="_x0000_s1451" name="Equation" r:id="rId5" imgW="10185120" imgH="406080" progId="Equation.DSMT4">
                   <p:embed/>
                 </p:oleObj>
               </mc:Choice>
               <mc:Fallback>
-                <p:oleObj name="Equation" r:id="rId5" imgW="7073640" imgH="317160" progId="Equation.DSMT4">
+                <p:oleObj name="Equation" r:id="rId5" imgW="10185120" imgH="406080" progId="Equation.DSMT4">
                   <p:embed/>
                   <p:pic>
                     <p:nvPicPr>
@@ -5703,8 +5904,8 @@
                     </p:blipFill>
                     <p:spPr bwMode="auto">
                       <a:xfrm>
-                        <a:off x="1592262" y="2688750"/>
-                        <a:ext cx="7092950" cy="319087"/>
+                        <a:off x="1207610" y="3073990"/>
+                        <a:ext cx="10212388" cy="409575"/>
                       </a:xfrm>
                       <a:prstGeom prst="rect">
                         <a:avLst/>
@@ -5799,25 +6000,25 @@
           <p:nvPr>
             <p:extLst>
               <p:ext uri="{D42A27DB-BD31-4B8C-83A1-F6EECF244321}">
-                <p14:modId xmlns:p14="http://schemas.microsoft.com/office/powerpoint/2010/main" val="3704114550"/>
+                <p14:modId xmlns:p14="http://schemas.microsoft.com/office/powerpoint/2010/main" val="2605946576"/>
               </p:ext>
             </p:extLst>
           </p:nvPr>
         </p:nvGraphicFramePr>
         <p:xfrm>
-          <a:off x="1579563" y="3003550"/>
-          <a:ext cx="4968875" cy="352425"/>
+          <a:off x="2512218" y="3520307"/>
+          <a:ext cx="7167563" cy="479425"/>
         </p:xfrm>
         <a:graphic>
           <a:graphicData uri="http://schemas.openxmlformats.org/presentationml/2006/ole">
             <mc:AlternateContent xmlns:mc="http://schemas.openxmlformats.org/markup-compatibility/2006">
               <mc:Choice xmlns:v="urn:schemas-microsoft-com:vml" Requires="v">
-                <p:oleObj spid="_x0000_s1320" name="Equation" r:id="rId7" imgW="4965480" imgH="355320" progId="Equation.DSMT4">
+                <p:oleObj spid="_x0000_s1452" name="Equation" r:id="rId7" imgW="7162560" imgH="482400" progId="Equation.DSMT4">
                   <p:embed/>
                 </p:oleObj>
               </mc:Choice>
               <mc:Fallback>
-                <p:oleObj name="Equation" r:id="rId7" imgW="4965480" imgH="355320" progId="Equation.DSMT4">
+                <p:oleObj name="Equation" r:id="rId7" imgW="7162560" imgH="482400" progId="Equation.DSMT4">
                   <p:embed/>
                   <p:pic>
                     <p:nvPicPr>
@@ -5836,8 +6037,8 @@
                     </p:blipFill>
                     <p:spPr bwMode="auto">
                       <a:xfrm>
-                        <a:off x="1579563" y="3003550"/>
-                        <a:ext cx="4968875" cy="352425"/>
+                        <a:off x="2512218" y="3520307"/>
+                        <a:ext cx="7167563" cy="479425"/>
                       </a:xfrm>
                       <a:prstGeom prst="rect">
                         <a:avLst/>
@@ -5932,25 +6133,25 @@
           <p:nvPr>
             <p:extLst>
               <p:ext uri="{D42A27DB-BD31-4B8C-83A1-F6EECF244321}">
-                <p14:modId xmlns:p14="http://schemas.microsoft.com/office/powerpoint/2010/main" val="966689427"/>
+                <p14:modId xmlns:p14="http://schemas.microsoft.com/office/powerpoint/2010/main" val="3348818769"/>
               </p:ext>
             </p:extLst>
           </p:nvPr>
         </p:nvGraphicFramePr>
         <p:xfrm>
-          <a:off x="5799138" y="3705225"/>
-          <a:ext cx="1130300" cy="301625"/>
+          <a:off x="5840413" y="4105289"/>
+          <a:ext cx="1585912" cy="385762"/>
         </p:xfrm>
         <a:graphic>
           <a:graphicData uri="http://schemas.openxmlformats.org/presentationml/2006/ole">
             <mc:AlternateContent xmlns:mc="http://schemas.openxmlformats.org/markup-compatibility/2006">
               <mc:Choice xmlns:v="urn:schemas-microsoft-com:vml" Requires="v">
-                <p:oleObj spid="_x0000_s1321" name="Equation" r:id="rId9" imgW="850680" imgH="228600" progId="Equation.DSMT4">
+                <p:oleObj spid="_x0000_s1453" name="Equation" r:id="rId9" imgW="1193760" imgH="291960" progId="Equation.DSMT4">
                   <p:embed/>
                 </p:oleObj>
               </mc:Choice>
               <mc:Fallback>
-                <p:oleObj name="Equation" r:id="rId9" imgW="850680" imgH="228600" progId="Equation.DSMT4">
+                <p:oleObj name="Equation" r:id="rId9" imgW="1193760" imgH="291960" progId="Equation.DSMT4">
                   <p:embed/>
                   <p:pic>
                     <p:nvPicPr>
@@ -5969,8 +6170,8 @@
                     </p:blipFill>
                     <p:spPr bwMode="auto">
                       <a:xfrm>
-                        <a:off x="5799138" y="3705225"/>
-                        <a:ext cx="1130300" cy="301625"/>
+                        <a:off x="5840413" y="4105289"/>
+                        <a:ext cx="1585912" cy="385762"/>
                       </a:xfrm>
                       <a:prstGeom prst="rect">
                         <a:avLst/>
@@ -6056,25 +6257,25 @@
           <p:nvPr>
             <p:extLst>
               <p:ext uri="{D42A27DB-BD31-4B8C-83A1-F6EECF244321}">
-                <p14:modId xmlns:p14="http://schemas.microsoft.com/office/powerpoint/2010/main" val="3835511630"/>
+                <p14:modId xmlns:p14="http://schemas.microsoft.com/office/powerpoint/2010/main" val="4226884271"/>
               </p:ext>
             </p:extLst>
           </p:nvPr>
         </p:nvGraphicFramePr>
         <p:xfrm>
-          <a:off x="3149599" y="4431947"/>
-          <a:ext cx="123825" cy="247650"/>
+          <a:off x="3130392" y="4797827"/>
+          <a:ext cx="147637" cy="338138"/>
         </p:xfrm>
         <a:graphic>
           <a:graphicData uri="http://schemas.openxmlformats.org/presentationml/2006/ole">
             <mc:AlternateContent xmlns:mc="http://schemas.openxmlformats.org/markup-compatibility/2006">
               <mc:Choice xmlns:v="urn:schemas-microsoft-com:vml" Requires="v">
-                <p:oleObj spid="_x0000_s1322" name="Equation" r:id="rId11" imgW="126890" imgH="241091" progId="Equation.DSMT4">
+                <p:oleObj spid="_x0000_s1454" name="Equation" r:id="rId11" imgW="152280" imgH="330120" progId="Equation.DSMT4">
                   <p:embed/>
                 </p:oleObj>
               </mc:Choice>
               <mc:Fallback>
-                <p:oleObj name="Equation" r:id="rId11" imgW="126890" imgH="241091" progId="Equation.DSMT4">
+                <p:oleObj name="Equation" r:id="rId11" imgW="152280" imgH="330120" progId="Equation.DSMT4">
                   <p:embed/>
                   <p:pic>
                     <p:nvPicPr>
@@ -6085,13 +6286,7 @@
                       <p:nvPr/>
                     </p:nvPicPr>
                     <p:blipFill>
-                      <a:blip r:embed="rId12">
-                        <a:extLst>
-                          <a:ext uri="{28A0092B-C50C-407E-A947-70E740481C1C}">
-                            <a14:useLocalDpi xmlns:a14="http://schemas.microsoft.com/office/drawing/2010/main" val="0"/>
-                          </a:ext>
-                        </a:extLst>
-                      </a:blip>
+                      <a:blip r:embed="rId12"/>
                       <a:srcRect/>
                       <a:stretch>
                         <a:fillRect/>
@@ -6099,8 +6294,8 @@
                     </p:blipFill>
                     <p:spPr bwMode="auto">
                       <a:xfrm>
-                        <a:off x="3149599" y="4431947"/>
-                        <a:ext cx="123825" cy="247650"/>
+                        <a:off x="3130392" y="4797827"/>
+                        <a:ext cx="147637" cy="338138"/>
                       </a:xfrm>
                       <a:prstGeom prst="rect">
                         <a:avLst/>
@@ -6195,25 +6390,25 @@
           <p:nvPr>
             <p:extLst>
               <p:ext uri="{D42A27DB-BD31-4B8C-83A1-F6EECF244321}">
-                <p14:modId xmlns:p14="http://schemas.microsoft.com/office/powerpoint/2010/main" val="1029616640"/>
+                <p14:modId xmlns:p14="http://schemas.microsoft.com/office/powerpoint/2010/main" val="3924478833"/>
               </p:ext>
             </p:extLst>
           </p:nvPr>
         </p:nvGraphicFramePr>
         <p:xfrm>
-          <a:off x="2606674" y="4733784"/>
-          <a:ext cx="542925" cy="190500"/>
+          <a:off x="2592759" y="5174022"/>
+          <a:ext cx="744537" cy="241300"/>
         </p:xfrm>
         <a:graphic>
           <a:graphicData uri="http://schemas.openxmlformats.org/presentationml/2006/ole">
             <mc:AlternateContent xmlns:mc="http://schemas.openxmlformats.org/markup-compatibility/2006">
               <mc:Choice xmlns:v="urn:schemas-microsoft-com:vml" Requires="v">
-                <p:oleObj spid="_x0000_s1323" name="Equation" r:id="rId13" imgW="545863" imgH="190417" progId="Equation.DSMT4">
+                <p:oleObj spid="_x0000_s1455" name="Equation" r:id="rId13" imgW="749160" imgH="241200" progId="Equation.DSMT4">
                   <p:embed/>
                 </p:oleObj>
               </mc:Choice>
               <mc:Fallback>
-                <p:oleObj name="Equation" r:id="rId13" imgW="545863" imgH="190417" progId="Equation.DSMT4">
+                <p:oleObj name="Equation" r:id="rId13" imgW="749160" imgH="241200" progId="Equation.DSMT4">
                   <p:embed/>
                   <p:pic>
                     <p:nvPicPr>
@@ -6224,13 +6419,7 @@
                       <p:nvPr/>
                     </p:nvPicPr>
                     <p:blipFill>
-                      <a:blip r:embed="rId14">
-                        <a:extLst>
-                          <a:ext uri="{28A0092B-C50C-407E-A947-70E740481C1C}">
-                            <a14:useLocalDpi xmlns:a14="http://schemas.microsoft.com/office/drawing/2010/main" val="0"/>
-                          </a:ext>
-                        </a:extLst>
-                      </a:blip>
+                      <a:blip r:embed="rId14"/>
                       <a:srcRect/>
                       <a:stretch>
                         <a:fillRect/>
@@ -6238,8 +6427,8 @@
                     </p:blipFill>
                     <p:spPr bwMode="auto">
                       <a:xfrm>
-                        <a:off x="2606674" y="4733784"/>
-                        <a:ext cx="542925" cy="190500"/>
+                        <a:off x="2592759" y="5174022"/>
+                        <a:ext cx="744537" cy="241300"/>
                       </a:xfrm>
                       <a:prstGeom prst="rect">
                         <a:avLst/>
@@ -6334,25 +6523,25 @@
           <p:nvPr>
             <p:extLst>
               <p:ext uri="{D42A27DB-BD31-4B8C-83A1-F6EECF244321}">
-                <p14:modId xmlns:p14="http://schemas.microsoft.com/office/powerpoint/2010/main" val="2005531895"/>
+                <p14:modId xmlns:p14="http://schemas.microsoft.com/office/powerpoint/2010/main" val="1600046735"/>
               </p:ext>
             </p:extLst>
           </p:nvPr>
         </p:nvGraphicFramePr>
         <p:xfrm>
-          <a:off x="4148666" y="4743309"/>
-          <a:ext cx="171450" cy="171450"/>
+          <a:off x="4274874" y="5184750"/>
+          <a:ext cx="219075" cy="220662"/>
         </p:xfrm>
         <a:graphic>
           <a:graphicData uri="http://schemas.openxmlformats.org/presentationml/2006/ole">
             <mc:AlternateContent xmlns:mc="http://schemas.openxmlformats.org/markup-compatibility/2006">
               <mc:Choice xmlns:v="urn:schemas-microsoft-com:vml" Requires="v">
-                <p:oleObj spid="_x0000_s1324" name="Equation" r:id="rId15" imgW="177492" imgH="177492" progId="Equation.DSMT4">
+                <p:oleObj spid="_x0000_s1456" name="Equation" r:id="rId15" imgW="228600" imgH="228600" progId="Equation.DSMT4">
                   <p:embed/>
                 </p:oleObj>
               </mc:Choice>
               <mc:Fallback>
-                <p:oleObj name="Equation" r:id="rId15" imgW="177492" imgH="177492" progId="Equation.DSMT4">
+                <p:oleObj name="Equation" r:id="rId15" imgW="228600" imgH="228600" progId="Equation.DSMT4">
                   <p:embed/>
                   <p:pic>
                     <p:nvPicPr>
@@ -6363,13 +6552,7 @@
                       <p:nvPr/>
                     </p:nvPicPr>
                     <p:blipFill>
-                      <a:blip r:embed="rId16">
-                        <a:extLst>
-                          <a:ext uri="{28A0092B-C50C-407E-A947-70E740481C1C}">
-                            <a14:useLocalDpi xmlns:a14="http://schemas.microsoft.com/office/drawing/2010/main" val="0"/>
-                          </a:ext>
-                        </a:extLst>
-                      </a:blip>
+                      <a:blip r:embed="rId16"/>
                       <a:srcRect/>
                       <a:stretch>
                         <a:fillRect/>
@@ -6377,8 +6560,8 @@
                     </p:blipFill>
                     <p:spPr bwMode="auto">
                       <a:xfrm>
-                        <a:off x="4148666" y="4743309"/>
-                        <a:ext cx="171450" cy="171450"/>
+                        <a:off x="4274874" y="5184750"/>
+                        <a:ext cx="219075" cy="220662"/>
                       </a:xfrm>
                       <a:prstGeom prst="rect">
                         <a:avLst/>
@@ -6473,25 +6656,25 @@
           <p:nvPr>
             <p:extLst>
               <p:ext uri="{D42A27DB-BD31-4B8C-83A1-F6EECF244321}">
-                <p14:modId xmlns:p14="http://schemas.microsoft.com/office/powerpoint/2010/main" val="397100951"/>
+                <p14:modId xmlns:p14="http://schemas.microsoft.com/office/powerpoint/2010/main" val="913699348"/>
               </p:ext>
             </p:extLst>
           </p:nvPr>
         </p:nvGraphicFramePr>
         <p:xfrm>
-          <a:off x="4521200" y="4746273"/>
-          <a:ext cx="419100" cy="190500"/>
+          <a:off x="4758267" y="5184750"/>
+          <a:ext cx="571500" cy="241300"/>
         </p:xfrm>
         <a:graphic>
           <a:graphicData uri="http://schemas.openxmlformats.org/presentationml/2006/ole">
             <mc:AlternateContent xmlns:mc="http://schemas.openxmlformats.org/markup-compatibility/2006">
               <mc:Choice xmlns:v="urn:schemas-microsoft-com:vml" Requires="v">
-                <p:oleObj spid="_x0000_s1325" name="Equation" r:id="rId17" imgW="419100" imgH="190500" progId="Equation.DSMT4">
+                <p:oleObj spid="_x0000_s1457" name="Equation" r:id="rId17" imgW="571320" imgH="241200" progId="Equation.DSMT4">
                   <p:embed/>
                 </p:oleObj>
               </mc:Choice>
               <mc:Fallback>
-                <p:oleObj name="Equation" r:id="rId17" imgW="419100" imgH="190500" progId="Equation.DSMT4">
+                <p:oleObj name="Equation" r:id="rId17" imgW="571320" imgH="241200" progId="Equation.DSMT4">
                   <p:embed/>
                   <p:pic>
                     <p:nvPicPr>
@@ -6502,13 +6685,7 @@
                       <p:nvPr/>
                     </p:nvPicPr>
                     <p:blipFill>
-                      <a:blip r:embed="rId18">
-                        <a:extLst>
-                          <a:ext uri="{28A0092B-C50C-407E-A947-70E740481C1C}">
-                            <a14:useLocalDpi xmlns:a14="http://schemas.microsoft.com/office/drawing/2010/main" val="0"/>
-                          </a:ext>
-                        </a:extLst>
-                      </a:blip>
+                      <a:blip r:embed="rId18"/>
                       <a:srcRect/>
                       <a:stretch>
                         <a:fillRect/>
@@ -6516,8 +6693,8 @@
                     </p:blipFill>
                     <p:spPr bwMode="auto">
                       <a:xfrm>
-                        <a:off x="4521200" y="4746273"/>
-                        <a:ext cx="419100" cy="190500"/>
+                        <a:off x="4758267" y="5184750"/>
+                        <a:ext cx="571500" cy="241300"/>
                       </a:xfrm>
                       <a:prstGeom prst="rect">
                         <a:avLst/>
@@ -6612,25 +6789,25 @@
           <p:nvPr>
             <p:extLst>
               <p:ext uri="{D42A27DB-BD31-4B8C-83A1-F6EECF244321}">
-                <p14:modId xmlns:p14="http://schemas.microsoft.com/office/powerpoint/2010/main" val="389930214"/>
+                <p14:modId xmlns:p14="http://schemas.microsoft.com/office/powerpoint/2010/main" val="4267634720"/>
               </p:ext>
             </p:extLst>
           </p:nvPr>
         </p:nvGraphicFramePr>
         <p:xfrm>
-          <a:off x="5913754" y="4721225"/>
-          <a:ext cx="800100" cy="266700"/>
+          <a:off x="6313804" y="5113567"/>
+          <a:ext cx="1117600" cy="381000"/>
         </p:xfrm>
         <a:graphic>
           <a:graphicData uri="http://schemas.openxmlformats.org/presentationml/2006/ole">
             <mc:AlternateContent xmlns:mc="http://schemas.openxmlformats.org/markup-compatibility/2006">
               <mc:Choice xmlns:v="urn:schemas-microsoft-com:vml" Requires="v">
-                <p:oleObj spid="_x0000_s1326" name="Equation" r:id="rId19" imgW="799753" imgH="266584" progId="Equation.DSMT4">
+                <p:oleObj spid="_x0000_s1458" name="Equation" r:id="rId19" imgW="1117440" imgH="380880" progId="Equation.DSMT4">
                   <p:embed/>
                 </p:oleObj>
               </mc:Choice>
               <mc:Fallback>
-                <p:oleObj name="Equation" r:id="rId19" imgW="799753" imgH="266584" progId="Equation.DSMT4">
+                <p:oleObj name="Equation" r:id="rId19" imgW="1117440" imgH="380880" progId="Equation.DSMT4">
                   <p:embed/>
                   <p:pic>
                     <p:nvPicPr>
@@ -6641,13 +6818,7 @@
                       <p:nvPr/>
                     </p:nvPicPr>
                     <p:blipFill>
-                      <a:blip r:embed="rId20">
-                        <a:extLst>
-                          <a:ext uri="{28A0092B-C50C-407E-A947-70E740481C1C}">
-                            <a14:useLocalDpi xmlns:a14="http://schemas.microsoft.com/office/drawing/2010/main" val="0"/>
-                          </a:ext>
-                        </a:extLst>
-                      </a:blip>
+                      <a:blip r:embed="rId20"/>
                       <a:srcRect/>
                       <a:stretch>
                         <a:fillRect/>
@@ -6655,8 +6826,8 @@
                     </p:blipFill>
                     <p:spPr bwMode="auto">
                       <a:xfrm>
-                        <a:off x="5913754" y="4721225"/>
-                        <a:ext cx="800100" cy="266700"/>
+                        <a:off x="6313804" y="5113567"/>
+                        <a:ext cx="1117600" cy="381000"/>
                       </a:xfrm>
                       <a:prstGeom prst="rect">
                         <a:avLst/>
@@ -6751,25 +6922,25 @@
           <p:nvPr>
             <p:extLst>
               <p:ext uri="{D42A27DB-BD31-4B8C-83A1-F6EECF244321}">
-                <p14:modId xmlns:p14="http://schemas.microsoft.com/office/powerpoint/2010/main" val="430733463"/>
+                <p14:modId xmlns:p14="http://schemas.microsoft.com/office/powerpoint/2010/main" val="2268875446"/>
               </p:ext>
             </p:extLst>
           </p:nvPr>
         </p:nvGraphicFramePr>
         <p:xfrm>
-          <a:off x="8725217" y="4757138"/>
-          <a:ext cx="419100" cy="190500"/>
+          <a:off x="9500923" y="5183417"/>
+          <a:ext cx="571500" cy="241300"/>
         </p:xfrm>
         <a:graphic>
           <a:graphicData uri="http://schemas.openxmlformats.org/presentationml/2006/ole">
             <mc:AlternateContent xmlns:mc="http://schemas.openxmlformats.org/markup-compatibility/2006">
               <mc:Choice xmlns:v="urn:schemas-microsoft-com:vml" Requires="v">
-                <p:oleObj spid="_x0000_s1327" name="Equation" r:id="rId21" imgW="419040" imgH="190440" progId="Equation.DSMT4">
+                <p:oleObj spid="_x0000_s1459" name="Equation" r:id="rId21" imgW="571320" imgH="241200" progId="Equation.DSMT4">
                   <p:embed/>
                 </p:oleObj>
               </mc:Choice>
               <mc:Fallback>
-                <p:oleObj name="Equation" r:id="rId21" imgW="419040" imgH="190440" progId="Equation.DSMT4">
+                <p:oleObj name="Equation" r:id="rId21" imgW="571320" imgH="241200" progId="Equation.DSMT4">
                   <p:embed/>
                   <p:pic>
                     <p:nvPicPr>
@@ -6788,8 +6959,8 @@
                     </p:blipFill>
                     <p:spPr bwMode="auto">
                       <a:xfrm>
-                        <a:off x="8725217" y="4757138"/>
-                        <a:ext cx="419100" cy="190500"/>
+                        <a:off x="9500923" y="5183417"/>
+                        <a:ext cx="571500" cy="241300"/>
                       </a:xfrm>
                       <a:prstGeom prst="rect">
                         <a:avLst/>
@@ -6884,25 +7055,25 @@
           <p:nvPr>
             <p:extLst>
               <p:ext uri="{D42A27DB-BD31-4B8C-83A1-F6EECF244321}">
-                <p14:modId xmlns:p14="http://schemas.microsoft.com/office/powerpoint/2010/main" val="330919950"/>
+                <p14:modId xmlns:p14="http://schemas.microsoft.com/office/powerpoint/2010/main" val="2047011188"/>
               </p:ext>
             </p:extLst>
           </p:nvPr>
         </p:nvGraphicFramePr>
         <p:xfrm>
-          <a:off x="10998200" y="4737100"/>
-          <a:ext cx="180975" cy="222250"/>
+          <a:off x="2087022" y="5461579"/>
+          <a:ext cx="228600" cy="282575"/>
         </p:xfrm>
         <a:graphic>
           <a:graphicData uri="http://schemas.openxmlformats.org/presentationml/2006/ole">
             <mc:AlternateContent xmlns:mc="http://schemas.openxmlformats.org/markup-compatibility/2006">
               <mc:Choice xmlns:v="urn:schemas-microsoft-com:vml" Requires="v">
-                <p:oleObj spid="_x0000_s1328" name="Equation" r:id="rId23" imgW="190440" imgH="228600" progId="Equation.DSMT4">
+                <p:oleObj spid="_x0000_s1460" name="Equation" r:id="rId23" imgW="241200" imgH="291960" progId="Equation.DSMT4">
                   <p:embed/>
                 </p:oleObj>
               </mc:Choice>
               <mc:Fallback>
-                <p:oleObj name="Equation" r:id="rId23" imgW="190440" imgH="228600" progId="Equation.DSMT4">
+                <p:oleObj name="Equation" r:id="rId23" imgW="241200" imgH="291960" progId="Equation.DSMT4">
                   <p:embed/>
                   <p:pic>
                     <p:nvPicPr>
@@ -6921,8 +7092,8 @@
                     </p:blipFill>
                     <p:spPr bwMode="auto">
                       <a:xfrm>
-                        <a:off x="10998200" y="4737100"/>
-                        <a:ext cx="180975" cy="222250"/>
+                        <a:off x="2087022" y="5461579"/>
+                        <a:ext cx="228600" cy="282575"/>
                       </a:xfrm>
                       <a:prstGeom prst="rect">
                         <a:avLst/>
@@ -7019,7 +7190,9 @@
         </p:nvSpPr>
         <p:spPr/>
         <p:txBody>
-          <a:bodyPr/>
+          <a:bodyPr>
+            <a:normAutofit lnSpcReduction="10000"/>
+          </a:bodyPr>
           <a:lstStyle/>
           <a:p>
             <a:endParaRPr lang="en-US" dirty="0" smtClean="0"/>
@@ -7078,9 +7251,31 @@
             <a:pPr marL="0" indent="0">
               <a:buNone/>
             </a:pPr>
+            <a:endParaRPr lang="ru-RU" dirty="0" smtClean="0"/>
+          </a:p>
+          <a:p>
+            <a:pPr marL="0" indent="0">
+              <a:buNone/>
+            </a:pPr>
             <a:r>
               <a:rPr lang="ru-RU" dirty="0" smtClean="0"/>
-              <a:t>где               — идентифицируемые </a:t>
+              <a:t>где              </a:t>
+            </a:r>
+            <a:r>
+              <a:rPr lang="en-US" dirty="0" smtClean="0"/>
+              <a:t>    </a:t>
+            </a:r>
+            <a:r>
+              <a:rPr lang="ru-RU" dirty="0" smtClean="0"/>
+              <a:t> </a:t>
+            </a:r>
+            <a:r>
+              <a:rPr lang="en-US" dirty="0" smtClean="0"/>
+              <a:t> </a:t>
+            </a:r>
+            <a:r>
+              <a:rPr lang="ru-RU" dirty="0" smtClean="0"/>
+              <a:t>— идентифицируемые </a:t>
             </a:r>
             <a:r>
               <a:rPr lang="ru-RU" dirty="0"/>
@@ -7157,7 +7352,7 @@
             </a:fld>
             <a:r>
               <a:rPr lang="ru-RU" dirty="0" smtClean="0"/>
-              <a:t>/11</a:t>
+              <a:t>/12</a:t>
             </a:r>
             <a:endParaRPr lang="en-US" dirty="0"/>
           </a:p>
@@ -8473,12 +8668,12 @@
                         </a:spcAft>
                       </a:pPr>
                       <a:r>
-                        <a:rPr lang="ru-RU" sz="1400">
+                        <a:rPr lang="ru-RU" sz="1400" dirty="0">
                           <a:effectLst/>
                         </a:rPr>
                         <a:t>3</a:t>
                       </a:r>
-                      <a:endParaRPr lang="en-US" sz="1400">
+                      <a:endParaRPr lang="en-US" sz="1400" dirty="0">
                         <a:effectLst/>
                         <a:latin typeface="Times New Roman" panose="02020603050405020304" pitchFamily="18" charset="0"/>
                         <a:ea typeface="Times New Roman" panose="02020603050405020304" pitchFamily="18" charset="0"/>
@@ -9011,25 +9206,25 @@
           <p:nvPr>
             <p:extLst>
               <p:ext uri="{D42A27DB-BD31-4B8C-83A1-F6EECF244321}">
-                <p14:modId xmlns:p14="http://schemas.microsoft.com/office/powerpoint/2010/main" val="1335283533"/>
+                <p14:modId xmlns:p14="http://schemas.microsoft.com/office/powerpoint/2010/main" val="3175889376"/>
               </p:ext>
             </p:extLst>
           </p:nvPr>
         </p:nvGraphicFramePr>
         <p:xfrm>
-          <a:off x="2895601" y="2811763"/>
-          <a:ext cx="1323975" cy="276225"/>
+          <a:off x="2874962" y="2668694"/>
+          <a:ext cx="1871663" cy="376238"/>
         </p:xfrm>
         <a:graphic>
           <a:graphicData uri="http://schemas.openxmlformats.org/presentationml/2006/ole">
             <mc:AlternateContent xmlns:mc="http://schemas.openxmlformats.org/markup-compatibility/2006">
               <mc:Choice xmlns:v="urn:schemas-microsoft-com:vml" Requires="v">
-                <p:oleObj spid="_x0000_s2142" name="Equation" r:id="rId3" imgW="1320227" imgH="279279" progId="Equation.DSMT4">
+                <p:oleObj spid="_x0000_s2202" name="Equation" r:id="rId3" imgW="1866600" imgH="380880" progId="Equation.DSMT4">
                   <p:embed/>
                 </p:oleObj>
               </mc:Choice>
               <mc:Fallback>
-                <p:oleObj name="Equation" r:id="rId3" imgW="1320227" imgH="279279" progId="Equation.DSMT4">
+                <p:oleObj name="Equation" r:id="rId3" imgW="1866600" imgH="380880" progId="Equation.DSMT4">
                   <p:embed/>
                   <p:pic>
                     <p:nvPicPr>
@@ -9040,13 +9235,7 @@
                       <p:nvPr/>
                     </p:nvPicPr>
                     <p:blipFill>
-                      <a:blip r:embed="rId4">
-                        <a:extLst>
-                          <a:ext uri="{28A0092B-C50C-407E-A947-70E740481C1C}">
-                            <a14:useLocalDpi xmlns:a14="http://schemas.microsoft.com/office/drawing/2010/main" val="0"/>
-                          </a:ext>
-                        </a:extLst>
-                      </a:blip>
+                      <a:blip r:embed="rId4"/>
                       <a:srcRect/>
                       <a:stretch>
                         <a:fillRect/>
@@ -9054,8 +9243,8 @@
                     </p:blipFill>
                     <p:spPr bwMode="auto">
                       <a:xfrm>
-                        <a:off x="2895601" y="2811763"/>
-                        <a:ext cx="1323975" cy="276225"/>
+                        <a:off x="2874962" y="2668694"/>
+                        <a:ext cx="1871663" cy="376238"/>
                       </a:xfrm>
                       <a:prstGeom prst="rect">
                         <a:avLst/>
@@ -9150,25 +9339,25 @@
           <p:nvPr>
             <p:extLst>
               <p:ext uri="{D42A27DB-BD31-4B8C-83A1-F6EECF244321}">
-                <p14:modId xmlns:p14="http://schemas.microsoft.com/office/powerpoint/2010/main" val="2489648220"/>
+                <p14:modId xmlns:p14="http://schemas.microsoft.com/office/powerpoint/2010/main" val="622564671"/>
               </p:ext>
             </p:extLst>
           </p:nvPr>
         </p:nvGraphicFramePr>
         <p:xfrm>
-          <a:off x="2133600" y="3504106"/>
-          <a:ext cx="7924800" cy="266700"/>
+          <a:off x="2874962" y="3399180"/>
+          <a:ext cx="6442075" cy="787400"/>
         </p:xfrm>
         <a:graphic>
           <a:graphicData uri="http://schemas.openxmlformats.org/presentationml/2006/ole">
             <mc:AlternateContent xmlns:mc="http://schemas.openxmlformats.org/markup-compatibility/2006">
               <mc:Choice xmlns:v="urn:schemas-microsoft-com:vml" Requires="v">
-                <p:oleObj spid="_x0000_s2143" name="Equation" r:id="rId5" imgW="7937280" imgH="266400" progId="Equation.DSMT4">
+                <p:oleObj spid="_x0000_s2203" name="Equation" r:id="rId5" imgW="6451560" imgH="787320" progId="Equation.DSMT4">
                   <p:embed/>
                 </p:oleObj>
               </mc:Choice>
               <mc:Fallback>
-                <p:oleObj name="Equation" r:id="rId5" imgW="7937280" imgH="266400" progId="Equation.DSMT4">
+                <p:oleObj name="Equation" r:id="rId5" imgW="6451560" imgH="787320" progId="Equation.DSMT4">
                   <p:embed/>
                   <p:pic>
                     <p:nvPicPr>
@@ -9187,8 +9376,8 @@
                     </p:blipFill>
                     <p:spPr bwMode="auto">
                       <a:xfrm>
-                        <a:off x="2133600" y="3504106"/>
-                        <a:ext cx="7924800" cy="266700"/>
+                        <a:off x="2874962" y="3399180"/>
+                        <a:ext cx="6442075" cy="787400"/>
                       </a:xfrm>
                       <a:prstGeom prst="rect">
                         <a:avLst/>
@@ -9283,25 +9472,25 @@
           <p:nvPr>
             <p:extLst>
               <p:ext uri="{D42A27DB-BD31-4B8C-83A1-F6EECF244321}">
-                <p14:modId xmlns:p14="http://schemas.microsoft.com/office/powerpoint/2010/main" val="244663213"/>
+                <p14:modId xmlns:p14="http://schemas.microsoft.com/office/powerpoint/2010/main" val="543607562"/>
               </p:ext>
             </p:extLst>
           </p:nvPr>
         </p:nvGraphicFramePr>
         <p:xfrm>
-          <a:off x="1524000" y="4125136"/>
-          <a:ext cx="733425" cy="285750"/>
+          <a:off x="1498600" y="4338868"/>
+          <a:ext cx="1036637" cy="376237"/>
         </p:xfrm>
         <a:graphic>
           <a:graphicData uri="http://schemas.openxmlformats.org/presentationml/2006/ole">
             <mc:AlternateContent xmlns:mc="http://schemas.openxmlformats.org/markup-compatibility/2006">
               <mc:Choice xmlns:v="urn:schemas-microsoft-com:vml" Requires="v">
-                <p:oleObj spid="_x0000_s2144" name="Equation" r:id="rId7" imgW="736600" imgH="279400" progId="Equation.DSMT4">
+                <p:oleObj spid="_x0000_s2204" name="Equation" r:id="rId7" imgW="1041120" imgH="368280" progId="Equation.DSMT4">
                   <p:embed/>
                 </p:oleObj>
               </mc:Choice>
               <mc:Fallback>
-                <p:oleObj name="Equation" r:id="rId7" imgW="736600" imgH="279400" progId="Equation.DSMT4">
+                <p:oleObj name="Equation" r:id="rId7" imgW="1041120" imgH="368280" progId="Equation.DSMT4">
                   <p:embed/>
                   <p:pic>
                     <p:nvPicPr>
@@ -9312,13 +9501,7 @@
                       <p:nvPr/>
                     </p:nvPicPr>
                     <p:blipFill>
-                      <a:blip r:embed="rId8">
-                        <a:extLst>
-                          <a:ext uri="{28A0092B-C50C-407E-A947-70E740481C1C}">
-                            <a14:useLocalDpi xmlns:a14="http://schemas.microsoft.com/office/drawing/2010/main" val="0"/>
-                          </a:ext>
-                        </a:extLst>
-                      </a:blip>
+                      <a:blip r:embed="rId8"/>
                       <a:srcRect/>
                       <a:stretch>
                         <a:fillRect/>
@@ -9326,8 +9509,8 @@
                     </p:blipFill>
                     <p:spPr bwMode="auto">
                       <a:xfrm>
-                        <a:off x="1524000" y="4125136"/>
-                        <a:ext cx="733425" cy="285750"/>
+                        <a:off x="1498600" y="4338868"/>
+                        <a:ext cx="1036637" cy="376237"/>
                       </a:xfrm>
                       <a:prstGeom prst="rect">
                         <a:avLst/>
@@ -9422,25 +9605,25 @@
           <p:nvPr>
             <p:extLst>
               <p:ext uri="{D42A27DB-BD31-4B8C-83A1-F6EECF244321}">
-                <p14:modId xmlns:p14="http://schemas.microsoft.com/office/powerpoint/2010/main" val="2026736714"/>
+                <p14:modId xmlns:p14="http://schemas.microsoft.com/office/powerpoint/2010/main" val="4288455842"/>
               </p:ext>
             </p:extLst>
           </p:nvPr>
         </p:nvGraphicFramePr>
         <p:xfrm>
-          <a:off x="1524000" y="4611863"/>
-          <a:ext cx="161925" cy="238125"/>
+          <a:off x="1498600" y="4801562"/>
+          <a:ext cx="212725" cy="327025"/>
         </p:xfrm>
         <a:graphic>
           <a:graphicData uri="http://schemas.openxmlformats.org/presentationml/2006/ole">
             <mc:AlternateContent xmlns:mc="http://schemas.openxmlformats.org/markup-compatibility/2006">
               <mc:Choice xmlns:v="urn:schemas-microsoft-com:vml" Requires="v">
-                <p:oleObj spid="_x0000_s2145" name="Equation" r:id="rId9" imgW="164957" imgH="241091" progId="Equation.DSMT4">
+                <p:oleObj spid="_x0000_s2205" name="Equation" r:id="rId9" imgW="215640" imgH="330120" progId="Equation.DSMT4">
                   <p:embed/>
                 </p:oleObj>
               </mc:Choice>
               <mc:Fallback>
-                <p:oleObj name="Equation" r:id="rId9" imgW="164957" imgH="241091" progId="Equation.DSMT4">
+                <p:oleObj name="Equation" r:id="rId9" imgW="215640" imgH="330120" progId="Equation.DSMT4">
                   <p:embed/>
                   <p:pic>
                     <p:nvPicPr>
@@ -9451,13 +9634,7 @@
                       <p:nvPr/>
                     </p:nvPicPr>
                     <p:blipFill>
-                      <a:blip r:embed="rId10">
-                        <a:extLst>
-                          <a:ext uri="{28A0092B-C50C-407E-A947-70E740481C1C}">
-                            <a14:useLocalDpi xmlns:a14="http://schemas.microsoft.com/office/drawing/2010/main" val="0"/>
-                          </a:ext>
-                        </a:extLst>
-                      </a:blip>
+                      <a:blip r:embed="rId10"/>
                       <a:srcRect/>
                       <a:stretch>
                         <a:fillRect/>
@@ -9465,8 +9642,8 @@
                     </p:blipFill>
                     <p:spPr bwMode="auto">
                       <a:xfrm>
-                        <a:off x="1524000" y="4611863"/>
-                        <a:ext cx="161925" cy="238125"/>
+                        <a:off x="1498600" y="4801562"/>
+                        <a:ext cx="212725" cy="327025"/>
                       </a:xfrm>
                       <a:prstGeom prst="rect">
                         <a:avLst/>
@@ -9561,25 +9738,25 @@
           <p:nvPr>
             <p:extLst>
               <p:ext uri="{D42A27DB-BD31-4B8C-83A1-F6EECF244321}">
-                <p14:modId xmlns:p14="http://schemas.microsoft.com/office/powerpoint/2010/main" val="118058158"/>
+                <p14:modId xmlns:p14="http://schemas.microsoft.com/office/powerpoint/2010/main" val="2729225819"/>
               </p:ext>
             </p:extLst>
           </p:nvPr>
         </p:nvGraphicFramePr>
         <p:xfrm>
-          <a:off x="7974013" y="5283200"/>
-          <a:ext cx="1295400" cy="352425"/>
+          <a:off x="8046258" y="5386828"/>
+          <a:ext cx="1854200" cy="477837"/>
         </p:xfrm>
         <a:graphic>
           <a:graphicData uri="http://schemas.openxmlformats.org/presentationml/2006/ole">
             <mc:AlternateContent xmlns:mc="http://schemas.openxmlformats.org/markup-compatibility/2006">
               <mc:Choice xmlns:v="urn:schemas-microsoft-com:vml" Requires="v">
-                <p:oleObj spid="_x0000_s2146" name="Equation" r:id="rId11" imgW="1295280" imgH="355320" progId="Equation.DSMT4">
+                <p:oleObj spid="_x0000_s2206" name="Equation" r:id="rId11" imgW="1854000" imgH="482400" progId="Equation.DSMT4">
                   <p:embed/>
                 </p:oleObj>
               </mc:Choice>
               <mc:Fallback>
-                <p:oleObj name="Equation" r:id="rId11" imgW="1295280" imgH="355320" progId="Equation.DSMT4">
+                <p:oleObj name="Equation" r:id="rId11" imgW="1854000" imgH="482400" progId="Equation.DSMT4">
                   <p:embed/>
                   <p:pic>
                     <p:nvPicPr>
@@ -9598,8 +9775,8 @@
                     </p:blipFill>
                     <p:spPr bwMode="auto">
                       <a:xfrm>
-                        <a:off x="7974013" y="5283200"/>
-                        <a:ext cx="1295400" cy="352425"/>
+                        <a:off x="8046258" y="5386828"/>
+                        <a:ext cx="1854200" cy="477837"/>
                       </a:xfrm>
                       <a:prstGeom prst="rect">
                         <a:avLst/>
@@ -9678,6 +9855,14 @@
               <a:rPr lang="ru-RU" dirty="0" smtClean="0"/>
               <a:t>Принцип работы программного средства</a:t>
             </a:r>
+            <a:r>
+              <a:rPr lang="en-US" dirty="0" smtClean="0"/>
+              <a:t> (</a:t>
+            </a:r>
+            <a:r>
+              <a:rPr lang="ru-RU" dirty="0" smtClean="0"/>
+              <a:t>Программа 1)</a:t>
+            </a:r>
             <a:endParaRPr lang="en-US" dirty="0"/>
           </a:p>
         </p:txBody>
@@ -9703,7 +9888,7 @@
             </a:fld>
             <a:r>
               <a:rPr lang="ru-RU" dirty="0" smtClean="0"/>
-              <a:t>/11</a:t>
+              <a:t>/12</a:t>
             </a:r>
             <a:endParaRPr lang="en-US" dirty="0"/>
           </a:p>
@@ -9740,8 +9925,8 @@
         </p:nvSpPr>
         <p:spPr>
           <a:xfrm>
-            <a:off x="1364264" y="2361916"/>
-            <a:ext cx="2145454" cy="429141"/>
+            <a:off x="1293016" y="2487564"/>
+            <a:ext cx="3842735" cy="590503"/>
           </a:xfrm>
           <a:prstGeom prst="rect">
             <a:avLst/>
@@ -9782,14 +9967,14 @@
               </a:spcAft>
             </a:pPr>
             <a:r>
-              <a:rPr lang="ru-RU" sz="1100" dirty="0">
+              <a:rPr lang="ru-RU" sz="2000" dirty="0">
                 <a:effectLst/>
                 <a:ea typeface="Calibri" panose="020F0502020204030204" pitchFamily="34" charset="0"/>
                 <a:cs typeface="Times New Roman" panose="02020603050405020304" pitchFamily="18" charset="0"/>
               </a:rPr>
               <a:t>Считывание картинки</a:t>
             </a:r>
-            <a:endParaRPr lang="en-US" sz="1100" dirty="0">
+            <a:endParaRPr lang="en-US" sz="2000" dirty="0">
               <a:effectLst/>
               <a:ea typeface="Calibri" panose="020F0502020204030204" pitchFamily="34" charset="0"/>
               <a:cs typeface="Times New Roman" panose="02020603050405020304" pitchFamily="18" charset="0"/>
@@ -9805,8 +9990,8 @@
         </p:nvSpPr>
         <p:spPr>
           <a:xfrm>
-            <a:off x="1364262" y="2904951"/>
-            <a:ext cx="2145455" cy="433490"/>
+            <a:off x="1599687" y="3154139"/>
+            <a:ext cx="3842740" cy="594903"/>
           </a:xfrm>
           <a:prstGeom prst="rect">
             <a:avLst/>
@@ -9847,7 +10032,7 @@
               </a:spcAft>
             </a:pPr>
             <a:r>
-              <a:rPr lang="ru-RU" sz="1100" dirty="0">
+              <a:rPr lang="ru-RU" sz="2000" dirty="0">
                 <a:effectLst/>
                 <a:ea typeface="Calibri" panose="020F0502020204030204" pitchFamily="34" charset="0"/>
                 <a:cs typeface="Times New Roman" panose="02020603050405020304" pitchFamily="18" charset="0"/>
@@ -9855,14 +10040,14 @@
               <a:t>Обесцвечивание </a:t>
             </a:r>
             <a:r>
-              <a:rPr lang="ru-RU" sz="1100" dirty="0" smtClean="0">
+              <a:rPr lang="ru-RU" sz="2000" dirty="0" smtClean="0">
                 <a:effectLst/>
                 <a:ea typeface="Calibri" panose="020F0502020204030204" pitchFamily="34" charset="0"/>
                 <a:cs typeface="Times New Roman" panose="02020603050405020304" pitchFamily="18" charset="0"/>
               </a:rPr>
               <a:t>изображения</a:t>
             </a:r>
-            <a:endParaRPr lang="en-US" sz="1100" dirty="0">
+            <a:endParaRPr lang="en-US" sz="2000" dirty="0">
               <a:effectLst/>
               <a:ea typeface="Calibri" panose="020F0502020204030204" pitchFamily="34" charset="0"/>
               <a:cs typeface="Times New Roman" panose="02020603050405020304" pitchFamily="18" charset="0"/>
@@ -9878,8 +10063,8 @@
         </p:nvSpPr>
         <p:spPr>
           <a:xfrm>
-            <a:off x="1364262" y="3441935"/>
-            <a:ext cx="2145455" cy="433490"/>
+            <a:off x="1900261" y="3825114"/>
+            <a:ext cx="3842735" cy="594903"/>
           </a:xfrm>
           <a:prstGeom prst="rect">
             <a:avLst/>
@@ -9920,14 +10105,14 @@
               </a:spcAft>
             </a:pPr>
             <a:r>
-              <a:rPr lang="ru-RU" sz="1100" dirty="0">
+              <a:rPr lang="ru-RU" sz="2000" dirty="0">
                 <a:effectLst/>
                 <a:ea typeface="Calibri" panose="020F0502020204030204" pitchFamily="34" charset="0"/>
                 <a:cs typeface="Times New Roman" panose="02020603050405020304" pitchFamily="18" charset="0"/>
               </a:rPr>
               <a:t>Размытие</a:t>
             </a:r>
-            <a:endParaRPr lang="en-US" sz="1100" dirty="0">
+            <a:endParaRPr lang="en-US" sz="2000" dirty="0">
               <a:effectLst/>
               <a:ea typeface="Calibri" panose="020F0502020204030204" pitchFamily="34" charset="0"/>
               <a:cs typeface="Times New Roman" panose="02020603050405020304" pitchFamily="18" charset="0"/>
@@ -9943,8 +10128,8 @@
         </p:nvSpPr>
         <p:spPr>
           <a:xfrm>
-            <a:off x="1364261" y="4550590"/>
-            <a:ext cx="2145455" cy="428735"/>
+            <a:off x="4205110" y="5268242"/>
+            <a:ext cx="3842739" cy="594903"/>
           </a:xfrm>
           <a:prstGeom prst="diamond">
             <a:avLst/>
@@ -10000,8 +10185,8 @@
         </p:nvSpPr>
         <p:spPr>
           <a:xfrm>
-            <a:off x="1364260" y="5092318"/>
-            <a:ext cx="2145455" cy="433490"/>
+            <a:off x="6238608" y="4502224"/>
+            <a:ext cx="3842740" cy="594903"/>
           </a:xfrm>
           <a:prstGeom prst="rect">
             <a:avLst/>
@@ -10042,14 +10227,14 @@
               </a:spcAft>
             </a:pPr>
             <a:r>
-              <a:rPr lang="ru-RU" sz="1100">
+              <a:rPr lang="ru-RU" sz="2000" dirty="0">
                 <a:effectLst/>
                 <a:ea typeface="Calibri" panose="020F0502020204030204" pitchFamily="34" charset="0"/>
                 <a:cs typeface="Times New Roman" panose="02020603050405020304" pitchFamily="18" charset="0"/>
               </a:rPr>
               <a:t>Решение СЛАУ</a:t>
             </a:r>
-            <a:endParaRPr lang="en-US" sz="1100">
+            <a:endParaRPr lang="en-US" sz="2000" dirty="0">
               <a:effectLst/>
               <a:ea typeface="Calibri" panose="020F0502020204030204" pitchFamily="34" charset="0"/>
               <a:cs typeface="Times New Roman" panose="02020603050405020304" pitchFamily="18" charset="0"/>
@@ -10065,8 +10250,8 @@
         </p:nvSpPr>
         <p:spPr>
           <a:xfrm>
-            <a:off x="3953167" y="5092318"/>
-            <a:ext cx="2145455" cy="433490"/>
+            <a:off x="6503760" y="3826828"/>
+            <a:ext cx="3842740" cy="589274"/>
           </a:xfrm>
           <a:prstGeom prst="diamond">
             <a:avLst/>
@@ -10122,8 +10307,8 @@
         </p:nvSpPr>
         <p:spPr>
           <a:xfrm>
-            <a:off x="3953166" y="4550590"/>
-            <a:ext cx="2145455" cy="429500"/>
+            <a:off x="6692729" y="3148210"/>
+            <a:ext cx="3761608" cy="594903"/>
           </a:xfrm>
           <a:prstGeom prst="rect">
             <a:avLst/>
@@ -10164,14 +10349,14 @@
               </a:spcAft>
             </a:pPr>
             <a:r>
-              <a:rPr lang="ru-RU" sz="1100">
+              <a:rPr lang="ru-RU" sz="2000" dirty="0">
                 <a:effectLst/>
                 <a:ea typeface="Calibri" panose="020F0502020204030204" pitchFamily="34" charset="0"/>
                 <a:cs typeface="Times New Roman" panose="02020603050405020304" pitchFamily="18" charset="0"/>
               </a:rPr>
               <a:t>Восстановление изображения</a:t>
             </a:r>
-            <a:endParaRPr lang="en-US" sz="1100">
+            <a:endParaRPr lang="en-US" sz="2000" dirty="0">
               <a:effectLst/>
               <a:ea typeface="Calibri" panose="020F0502020204030204" pitchFamily="34" charset="0"/>
               <a:cs typeface="Times New Roman" panose="02020603050405020304" pitchFamily="18" charset="0"/>
@@ -10187,8 +10372,8 @@
         </p:nvSpPr>
         <p:spPr>
           <a:xfrm>
-            <a:off x="3953165" y="3993395"/>
-            <a:ext cx="2145455" cy="429500"/>
+            <a:off x="6972452" y="2492066"/>
+            <a:ext cx="3761608" cy="581497"/>
           </a:xfrm>
           <a:prstGeom prst="rect">
             <a:avLst/>
@@ -10229,14 +10414,14 @@
               </a:spcAft>
             </a:pPr>
             <a:r>
-              <a:rPr lang="ru-RU" sz="1100" dirty="0">
+              <a:rPr lang="ru-RU" sz="2000" dirty="0">
                 <a:effectLst/>
                 <a:ea typeface="Calibri" panose="020F0502020204030204" pitchFamily="34" charset="0"/>
                 <a:cs typeface="Times New Roman" panose="02020603050405020304" pitchFamily="18" charset="0"/>
               </a:rPr>
               <a:t>Построение карты разности</a:t>
             </a:r>
-            <a:endParaRPr lang="en-US" sz="1100" dirty="0">
+            <a:endParaRPr lang="en-US" sz="2000" dirty="0">
               <a:effectLst/>
               <a:ea typeface="Calibri" panose="020F0502020204030204" pitchFamily="34" charset="0"/>
               <a:cs typeface="Times New Roman" panose="02020603050405020304" pitchFamily="18" charset="0"/>
@@ -10252,8 +10437,8 @@
         </p:nvSpPr>
         <p:spPr>
           <a:xfrm>
-            <a:off x="3953164" y="3441513"/>
-            <a:ext cx="2145455" cy="434333"/>
+            <a:off x="7394072" y="1807818"/>
+            <a:ext cx="3761608" cy="598126"/>
           </a:xfrm>
           <a:prstGeom prst="ellipse">
             <a:avLst/>
@@ -10319,8 +10504,8 @@
         </p:nvSpPr>
         <p:spPr>
           <a:xfrm>
-            <a:off x="1364262" y="1820583"/>
-            <a:ext cx="2145455" cy="433490"/>
+            <a:off x="1097280" y="1815839"/>
+            <a:ext cx="3842740" cy="594903"/>
           </a:xfrm>
           <a:prstGeom prst="ellipse">
             <a:avLst/>
@@ -10579,13 +10764,13 @@
               </a:spcAft>
             </a:pPr>
             <a:r>
-              <a:rPr lang="ru-RU" sz="1100" smtClean="0">
+              <a:rPr lang="ru-RU" dirty="0" smtClean="0">
                 <a:ea typeface="Calibri" panose="020F0502020204030204" pitchFamily="34" charset="0"/>
                 <a:cs typeface="Times New Roman" panose="02020603050405020304" pitchFamily="18" charset="0"/>
               </a:rPr>
               <a:t>Начало</a:t>
             </a:r>
-            <a:endParaRPr lang="en-US" sz="1100">
+            <a:endParaRPr lang="en-US" dirty="0">
               <a:ea typeface="Calibri" panose="020F0502020204030204" pitchFamily="34" charset="0"/>
               <a:cs typeface="Times New Roman" panose="02020603050405020304" pitchFamily="18" charset="0"/>
             </a:endParaRPr>
@@ -10600,8 +10785,8 @@
         </p:nvSpPr>
         <p:spPr>
           <a:xfrm>
-            <a:off x="1364261" y="3989319"/>
-            <a:ext cx="2145455" cy="433490"/>
+            <a:off x="2203822" y="4502225"/>
+            <a:ext cx="3842739" cy="594903"/>
           </a:xfrm>
           <a:prstGeom prst="rect">
             <a:avLst/>
@@ -10642,14 +10827,14 @@
               </a:spcAft>
             </a:pPr>
             <a:r>
-              <a:rPr lang="ru-RU" sz="1100" dirty="0">
+              <a:rPr lang="ru-RU" sz="2000" dirty="0">
                 <a:effectLst/>
                 <a:ea typeface="Calibri" panose="020F0502020204030204" pitchFamily="34" charset="0"/>
                 <a:cs typeface="Times New Roman" panose="02020603050405020304" pitchFamily="18" charset="0"/>
               </a:rPr>
               <a:t>Выбор случайных областей для составления системы уравнений</a:t>
             </a:r>
-            <a:endParaRPr lang="en-US" sz="1100" dirty="0">
+            <a:endParaRPr lang="en-US" sz="2000" dirty="0">
               <a:effectLst/>
               <a:ea typeface="Calibri" panose="020F0502020204030204" pitchFamily="34" charset="0"/>
               <a:cs typeface="Times New Roman" panose="02020603050405020304" pitchFamily="18" charset="0"/>
@@ -10667,8 +10852,8 @@
             </p:nvSpPr>
             <p:spPr>
               <a:xfrm>
-                <a:off x="1841295" y="4612591"/>
-                <a:ext cx="1084912" cy="261610"/>
+                <a:off x="5380376" y="5396414"/>
+                <a:ext cx="1492203" cy="338554"/>
               </a:xfrm>
               <a:prstGeom prst="rect">
                 <a:avLst/>
@@ -10688,7 +10873,7 @@
                     </m:oMathParaPr>
                     <m:oMath xmlns:m="http://schemas.openxmlformats.org/officeDocument/2006/math">
                       <m:r>
-                        <a:rPr lang="en-US" sz="1100" i="1">
+                        <a:rPr lang="en-US" sz="1600" i="1">
                           <a:latin typeface="Cambria Math" panose="02040503050406030204" pitchFamily="18" charset="0"/>
                         </a:rPr>
                         <m:t>𝑟𝑎𝑛𝑔</m:t>
@@ -10696,14 +10881,14 @@
                       <m:d>
                         <m:dPr>
                           <m:ctrlPr>
-                            <a:rPr lang="en-US" sz="1100" i="1">
+                            <a:rPr lang="en-US" sz="1600" i="1">
                               <a:latin typeface="Cambria Math" panose="02040503050406030204" pitchFamily="18" charset="0"/>
                             </a:rPr>
                           </m:ctrlPr>
                         </m:dPr>
                         <m:e>
                           <m:r>
-                            <a:rPr lang="en-US" sz="1100" i="1">
+                            <a:rPr lang="en-US" sz="1600" i="1">
                               <a:latin typeface="Cambria Math" panose="02040503050406030204" pitchFamily="18" charset="0"/>
                             </a:rPr>
                             <m:t>𝑋</m:t>
@@ -10711,7 +10896,7 @@
                         </m:e>
                       </m:d>
                       <m:r>
-                        <a:rPr lang="en-US" sz="1100" i="0">
+                        <a:rPr lang="en-US" sz="1600" i="0">
                           <a:latin typeface="Cambria Math" panose="02040503050406030204" pitchFamily="18" charset="0"/>
                         </a:rPr>
                         <m:t>=16</m:t>
@@ -10719,7 +10904,7 @@
                     </m:oMath>
                   </m:oMathPara>
                 </a14:m>
-                <a:endParaRPr lang="en-US" sz="1100" dirty="0"/>
+                <a:endParaRPr lang="en-US" sz="1600" dirty="0"/>
               </a:p>
             </p:txBody>
           </p:sp>
@@ -10735,8 +10920,8 @@
             </p:nvSpPr>
             <p:spPr>
               <a:xfrm>
-                <a:off x="1841295" y="4612591"/>
-                <a:ext cx="1084912" cy="261610"/>
+                <a:off x="5380376" y="5396414"/>
+                <a:ext cx="1492203" cy="338554"/>
               </a:xfrm>
               <a:prstGeom prst="rect">
                 <a:avLst/>
@@ -10744,7 +10929,7 @@
               <a:blipFill rotWithShape="0">
                 <a:blip r:embed="rId2"/>
                 <a:stretch>
-                  <a:fillRect/>
+                  <a:fillRect b="-3571"/>
                 </a:stretch>
               </a:blipFill>
             </p:spPr>
@@ -10773,8 +10958,8 @@
             </p:nvSpPr>
             <p:spPr>
               <a:xfrm>
-                <a:off x="4758268" y="5077011"/>
-                <a:ext cx="753989" cy="465769"/>
+                <a:off x="8120735" y="3815052"/>
+                <a:ext cx="981102" cy="615168"/>
               </a:xfrm>
               <a:prstGeom prst="rect">
                 <a:avLst/>
@@ -10800,14 +10985,14 @@
                           <m:grow m:val="on"/>
                           <m:supHide m:val="on"/>
                           <m:ctrlPr>
-                            <a:rPr lang="en-US" sz="1000" i="1">
+                            <a:rPr lang="en-US" sz="1400" i="1">
                               <a:latin typeface="Cambria Math" panose="02040503050406030204" pitchFamily="18" charset="0"/>
                             </a:rPr>
                           </m:ctrlPr>
                         </m:naryPr>
                         <m:sub>
                           <m:r>
-                            <a:rPr lang="en-US" sz="1000" i="1">
+                            <a:rPr lang="en-US" sz="1400" i="1">
                               <a:latin typeface="Cambria Math" panose="02040503050406030204" pitchFamily="18" charset="0"/>
                             </a:rPr>
                             <m:t>𝑖</m:t>
@@ -10818,14 +11003,14 @@
                           <m:sSub>
                             <m:sSubPr>
                               <m:ctrlPr>
-                                <a:rPr lang="en-US" sz="1000" i="1">
+                                <a:rPr lang="en-US" sz="1400" i="1">
                                   <a:latin typeface="Cambria Math" panose="02040503050406030204" pitchFamily="18" charset="0"/>
                                 </a:rPr>
                               </m:ctrlPr>
                             </m:sSubPr>
                             <m:e>
                               <m:r>
-                                <a:rPr lang="en-US" sz="1000" i="1">
+                                <a:rPr lang="en-US" sz="1400" i="1">
                                   <a:latin typeface="Cambria Math" panose="02040503050406030204" pitchFamily="18" charset="0"/>
                                 </a:rPr>
                                 <m:t>𝑎</m:t>
@@ -10833,7 +11018,7 @@
                             </m:e>
                             <m:sub>
                               <m:r>
-                                <a:rPr lang="en-US" sz="1000" i="1">
+                                <a:rPr lang="en-US" sz="1400" i="1">
                                   <a:latin typeface="Cambria Math" panose="02040503050406030204" pitchFamily="18" charset="0"/>
                                 </a:rPr>
                                 <m:t>𝑖</m:t>
@@ -10843,7 +11028,7 @@
                         </m:e>
                       </m:nary>
                       <m:r>
-                        <a:rPr lang="en-US" sz="1000" i="0">
+                        <a:rPr lang="en-US" sz="1400" i="0">
                           <a:latin typeface="Cambria Math" panose="02040503050406030204" pitchFamily="18" charset="0"/>
                         </a:rPr>
                         <m:t>≈1</m:t>
@@ -10851,7 +11036,7 @@
                     </m:oMath>
                   </m:oMathPara>
                 </a14:m>
-                <a:endParaRPr lang="en-US" sz="1000" dirty="0"/>
+                <a:endParaRPr lang="en-US" sz="1400" dirty="0"/>
               </a:p>
             </p:txBody>
           </p:sp>
@@ -10867,8 +11052,8 @@
             </p:nvSpPr>
             <p:spPr>
               <a:xfrm>
-                <a:off x="4758268" y="5077011"/>
-                <a:ext cx="753989" cy="465769"/>
+                <a:off x="8120735" y="3815052"/>
+                <a:ext cx="981102" cy="615168"/>
               </a:xfrm>
               <a:prstGeom prst="rect">
                 <a:avLst/>
@@ -10876,7 +11061,7 @@
               <a:blipFill rotWithShape="0">
                 <a:blip r:embed="rId3"/>
                 <a:stretch>
-                  <a:fillRect l="-51220" t="-111842" r="-55285" b="-157895"/>
+                  <a:fillRect l="-56522" t="-115842" r="-62112" b="-166337"/>
                 </a:stretch>
               </a:blipFill>
             </p:spPr>
@@ -10906,8 +11091,8 @@
         </p:nvCxnSpPr>
         <p:spPr>
           <a:xfrm>
-            <a:off x="2436990" y="2254073"/>
-            <a:ext cx="1" cy="107843"/>
+            <a:off x="3018650" y="2410742"/>
+            <a:ext cx="195734" cy="76822"/>
           </a:xfrm>
           <a:prstGeom prst="straightConnector1">
             <a:avLst/>
@@ -10941,9 +11126,9 @@
           <p:nvPr/>
         </p:nvCxnSpPr>
         <p:spPr>
-          <a:xfrm flipH="1">
-            <a:off x="2436990" y="2791057"/>
-            <a:ext cx="1" cy="113894"/>
+          <a:xfrm>
+            <a:off x="3214384" y="3078067"/>
+            <a:ext cx="306673" cy="76072"/>
           </a:xfrm>
           <a:prstGeom prst="straightConnector1">
             <a:avLst/>
@@ -10978,8 +11163,8 @@
         </p:nvCxnSpPr>
         <p:spPr>
           <a:xfrm>
-            <a:off x="2436990" y="3338441"/>
-            <a:ext cx="0" cy="103494"/>
+            <a:off x="3521057" y="3749042"/>
+            <a:ext cx="300572" cy="76072"/>
           </a:xfrm>
           <a:prstGeom prst="straightConnector1">
             <a:avLst/>
@@ -11013,9 +11198,9 @@
           <p:nvPr/>
         </p:nvCxnSpPr>
         <p:spPr>
-          <a:xfrm flipH="1">
-            <a:off x="2436989" y="3875425"/>
-            <a:ext cx="1" cy="113894"/>
+          <a:xfrm>
+            <a:off x="3821629" y="4420017"/>
+            <a:ext cx="303563" cy="82208"/>
           </a:xfrm>
           <a:prstGeom prst="straightConnector1">
             <a:avLst/>
@@ -11050,44 +11235,8 @@
         </p:nvCxnSpPr>
         <p:spPr>
           <a:xfrm>
-            <a:off x="2436989" y="4422809"/>
-            <a:ext cx="0" cy="127781"/>
-          </a:xfrm>
-          <a:prstGeom prst="straightConnector1">
-            <a:avLst/>
-          </a:prstGeom>
-          <a:ln>
-            <a:tailEnd type="triangle"/>
-          </a:ln>
-        </p:spPr>
-        <p:style>
-          <a:lnRef idx="1">
-            <a:schemeClr val="dk1"/>
-          </a:lnRef>
-          <a:fillRef idx="0">
-            <a:schemeClr val="dk1"/>
-          </a:fillRef>
-          <a:effectRef idx="0">
-            <a:schemeClr val="dk1"/>
-          </a:effectRef>
-          <a:fontRef idx="minor">
-            <a:schemeClr val="tx1"/>
-          </a:fontRef>
-        </p:style>
-      </p:cxnSp>
-      <p:cxnSp>
-        <p:nvCxnSpPr>
-          <p:cNvPr id="42" name="Straight Arrow Connector 41"/>
-          <p:cNvCxnSpPr>
-            <a:stCxn id="14" idx="2"/>
-            <a:endCxn id="15" idx="0"/>
-          </p:cNvCxnSpPr>
-          <p:nvPr/>
-        </p:nvCxnSpPr>
-        <p:spPr>
-          <a:xfrm flipH="1">
-            <a:off x="2436988" y="4979325"/>
-            <a:ext cx="1" cy="112993"/>
+            <a:off x="4125192" y="5097128"/>
+            <a:ext cx="2001288" cy="171114"/>
           </a:xfrm>
           <a:prstGeom prst="straightConnector1">
             <a:avLst/>
@@ -11115,15 +11264,15 @@
         <p:nvCxnSpPr>
           <p:cNvPr id="44" name="Straight Arrow Connector 43"/>
           <p:cNvCxnSpPr>
-            <a:stCxn id="15" idx="3"/>
-            <a:endCxn id="16" idx="1"/>
+            <a:stCxn id="15" idx="0"/>
+            <a:endCxn id="16" idx="2"/>
           </p:cNvCxnSpPr>
           <p:nvPr/>
         </p:nvCxnSpPr>
         <p:spPr>
-          <a:xfrm>
-            <a:off x="3509715" y="5309063"/>
-            <a:ext cx="443452" cy="0"/>
+          <a:xfrm flipV="1">
+            <a:off x="8159978" y="4416102"/>
+            <a:ext cx="265152" cy="86122"/>
           </a:xfrm>
           <a:prstGeom prst="straightConnector1">
             <a:avLst/>
@@ -11158,12 +11307,12 @@
         </p:nvCxnSpPr>
         <p:spPr>
           <a:xfrm rot="10800000">
-            <a:off x="1364261" y="4206064"/>
-            <a:ext cx="12700" cy="558894"/>
+            <a:off x="2203822" y="4799678"/>
+            <a:ext cx="2001288" cy="766017"/>
           </a:xfrm>
           <a:prstGeom prst="bentConnector3">
             <a:avLst>
-              <a:gd name="adj1" fmla="val 1800000"/>
+              <a:gd name="adj1" fmla="val 111423"/>
             </a:avLst>
           </a:prstGeom>
           <a:ln>
@@ -11195,9 +11344,9 @@
           <p:nvPr/>
         </p:nvCxnSpPr>
         <p:spPr>
-          <a:xfrm flipH="1" flipV="1">
-            <a:off x="5025894" y="4980090"/>
-            <a:ext cx="1" cy="112228"/>
+          <a:xfrm flipV="1">
+            <a:off x="8425130" y="3743113"/>
+            <a:ext cx="148403" cy="83715"/>
           </a:xfrm>
           <a:prstGeom prst="straightConnector1">
             <a:avLst/>
@@ -11231,9 +11380,9 @@
           <p:nvPr/>
         </p:nvCxnSpPr>
         <p:spPr>
-          <a:xfrm flipH="1" flipV="1">
-            <a:off x="5025893" y="4422895"/>
-            <a:ext cx="1" cy="127695"/>
+          <a:xfrm flipV="1">
+            <a:off x="8573533" y="3073563"/>
+            <a:ext cx="279723" cy="74647"/>
           </a:xfrm>
           <a:prstGeom prst="straightConnector1">
             <a:avLst/>
@@ -11267,9 +11416,9 @@
           <p:nvPr/>
         </p:nvCxnSpPr>
         <p:spPr>
-          <a:xfrm flipH="1" flipV="1">
-            <a:off x="5025892" y="3875846"/>
-            <a:ext cx="1" cy="117549"/>
+          <a:xfrm flipV="1">
+            <a:off x="8853256" y="2405944"/>
+            <a:ext cx="421620" cy="86122"/>
           </a:xfrm>
           <a:prstGeom prst="straightConnector1">
             <a:avLst/>
@@ -11297,20 +11446,19 @@
         <p:nvCxnSpPr>
           <p:cNvPr id="58" name="Elbow Connector 57"/>
           <p:cNvCxnSpPr>
-            <a:stCxn id="16" idx="2"/>
-            <a:endCxn id="24" idx="1"/>
+            <a:stCxn id="16" idx="1"/>
+            <a:endCxn id="24" idx="3"/>
           </p:cNvCxnSpPr>
           <p:nvPr/>
         </p:nvCxnSpPr>
         <p:spPr>
-          <a:xfrm rot="5400000" flipH="1">
-            <a:off x="2535206" y="3035119"/>
-            <a:ext cx="1319744" cy="3661634"/>
+          <a:xfrm rot="10800000" flipV="1">
+            <a:off x="6046562" y="4121465"/>
+            <a:ext cx="457199" cy="678212"/>
           </a:xfrm>
-          <a:prstGeom prst="bentConnector4">
+          <a:prstGeom prst="bentConnector3">
             <a:avLst>
-              <a:gd name="adj1" fmla="val -17322"/>
-              <a:gd name="adj2" fmla="val 106243"/>
+              <a:gd name="adj1" fmla="val 68519"/>
             </a:avLst>
           </a:prstGeom>
           <a:ln>
@@ -11340,8 +11488,8 @@
         </p:nvSpPr>
         <p:spPr>
           <a:xfrm>
-            <a:off x="4984694" y="5508005"/>
-            <a:ext cx="385042" cy="261610"/>
+            <a:off x="3870565" y="5182685"/>
+            <a:ext cx="549125" cy="400110"/>
           </a:xfrm>
           <a:prstGeom prst="rect">
             <a:avLst/>
@@ -11355,7 +11503,7 @@
           <a:lstStyle/>
           <a:p>
             <a:r>
-              <a:rPr lang="ru-RU" sz="1100" dirty="0" smtClean="0"/>
+              <a:rPr lang="ru-RU" sz="2000" dirty="0" smtClean="0"/>
               <a:t>нет</a:t>
             </a:r>
           </a:p>
@@ -11369,8 +11517,8 @@
         </p:nvSpPr>
         <p:spPr>
           <a:xfrm>
-            <a:off x="1097280" y="4526303"/>
-            <a:ext cx="385042" cy="261610"/>
+            <a:off x="6154554" y="3726012"/>
+            <a:ext cx="549125" cy="400110"/>
           </a:xfrm>
           <a:prstGeom prst="rect">
             <a:avLst/>
@@ -11384,7 +11532,7 @@
           <a:lstStyle/>
           <a:p>
             <a:r>
-              <a:rPr lang="ru-RU" sz="1100" dirty="0" smtClean="0"/>
+              <a:rPr lang="ru-RU" sz="2000" dirty="0" smtClean="0"/>
               <a:t>нет</a:t>
             </a:r>
           </a:p>
@@ -11398,8 +11546,8 @@
         </p:nvSpPr>
         <p:spPr>
           <a:xfrm>
-            <a:off x="2565455" y="4872807"/>
-            <a:ext cx="330540" cy="261610"/>
+            <a:off x="9225661" y="3621567"/>
+            <a:ext cx="450764" cy="400110"/>
           </a:xfrm>
           <a:prstGeom prst="rect">
             <a:avLst/>
@@ -11413,7 +11561,7 @@
           <a:lstStyle/>
           <a:p>
             <a:r>
-              <a:rPr lang="ru-RU" sz="1100" dirty="0" smtClean="0"/>
+              <a:rPr lang="ru-RU" sz="2000" dirty="0" smtClean="0"/>
               <a:t>да</a:t>
             </a:r>
           </a:p>
@@ -11427,8 +11575,8 @@
         </p:nvSpPr>
         <p:spPr>
           <a:xfrm>
-            <a:off x="5204466" y="4906903"/>
-            <a:ext cx="330540" cy="261610"/>
+            <a:off x="5694401" y="5811817"/>
+            <a:ext cx="450764" cy="400110"/>
           </a:xfrm>
           <a:prstGeom prst="rect">
             <a:avLst/>
@@ -11442,22 +11590,182 @@
           <a:lstStyle/>
           <a:p>
             <a:r>
-              <a:rPr lang="ru-RU" sz="1100" dirty="0" smtClean="0"/>
+              <a:rPr lang="ru-RU" sz="2000" dirty="0" smtClean="0"/>
               <a:t>да</a:t>
             </a:r>
           </a:p>
         </p:txBody>
       </p:sp>
-      <p:sp>
-        <p:nvSpPr>
-          <p:cNvPr id="64" name="Rectangle 63"/>
+      <p:cxnSp>
+        <p:nvCxnSpPr>
+          <p:cNvPr id="178" name="Elbow Connector 177"/>
+          <p:cNvCxnSpPr>
+            <a:stCxn id="14" idx="2"/>
+            <a:endCxn id="15" idx="2"/>
+          </p:cNvCxnSpPr>
+          <p:nvPr/>
+        </p:nvCxnSpPr>
+        <p:spPr>
+          <a:xfrm rot="5400000" flipH="1" flipV="1">
+            <a:off x="6760220" y="4463387"/>
+            <a:ext cx="766018" cy="2033498"/>
+          </a:xfrm>
+          <a:prstGeom prst="bentConnector3">
+            <a:avLst>
+              <a:gd name="adj1" fmla="val -29843"/>
+            </a:avLst>
+          </a:prstGeom>
+          <a:ln>
+            <a:tailEnd type="triangle"/>
+          </a:ln>
+        </p:spPr>
+        <p:style>
+          <a:lnRef idx="1">
+            <a:schemeClr val="dk1"/>
+          </a:lnRef>
+          <a:fillRef idx="0">
+            <a:schemeClr val="dk1"/>
+          </a:fillRef>
+          <a:effectRef idx="0">
+            <a:schemeClr val="dk1"/>
+          </a:effectRef>
+          <a:fontRef idx="minor">
+            <a:schemeClr val="tx1"/>
+          </a:fontRef>
+        </p:style>
+      </p:cxnSp>
+    </p:spTree>
+    <p:extLst>
+      <p:ext uri="{BB962C8B-B14F-4D97-AF65-F5344CB8AC3E}">
+        <p14:creationId xmlns:p14="http://schemas.microsoft.com/office/powerpoint/2010/main" val="3291219883"/>
+      </p:ext>
+    </p:extLst>
+  </p:cSld>
+  <p:clrMapOvr>
+    <a:masterClrMapping/>
+  </p:clrMapOvr>
+  <p:timing>
+    <p:tnLst>
+      <p:par>
+        <p:cTn id="1" dur="indefinite" restart="never" nodeType="tmRoot"/>
+      </p:par>
+    </p:tnLst>
+  </p:timing>
+</p:sld>
+</file>
+
+<file path=ppt/slides/slide7.xml><?xml version="1.0" encoding="utf-8"?>
+<p:sld xmlns:a="http://schemas.openxmlformats.org/drawingml/2006/main" xmlns:r="http://schemas.openxmlformats.org/officeDocument/2006/relationships" xmlns:p="http://schemas.openxmlformats.org/presentationml/2006/main">
+  <p:cSld>
+    <p:spTree>
+      <p:nvGrpSpPr>
+        <p:cNvPr id="1" name=""/>
+        <p:cNvGrpSpPr/>
+        <p:nvPr/>
+      </p:nvGrpSpPr>
+      <p:grpSpPr>
+        <a:xfrm>
+          <a:off x="0" y="0"/>
+          <a:ext cx="0" cy="0"/>
+          <a:chOff x="0" y="0"/>
+          <a:chExt cx="0" cy="0"/>
+        </a:xfrm>
+      </p:grpSpPr>
+      <p:sp>
+        <p:nvSpPr>
+          <p:cNvPr id="2" name="Title 1"/>
+          <p:cNvSpPr>
+            <a:spLocks noGrp="1"/>
+          </p:cNvSpPr>
+          <p:nvPr>
+            <p:ph type="title"/>
+          </p:nvPr>
+        </p:nvSpPr>
+        <p:spPr/>
+        <p:txBody>
+          <a:bodyPr/>
+          <a:lstStyle/>
+          <a:p>
+            <a:r>
+              <a:rPr lang="ru-RU" dirty="0"/>
+              <a:t>Принцип работы программного средства</a:t>
+            </a:r>
+            <a:r>
+              <a:rPr lang="en-US" dirty="0"/>
+              <a:t> (</a:t>
+            </a:r>
+            <a:r>
+              <a:rPr lang="ru-RU" dirty="0"/>
+              <a:t>Программа </a:t>
+            </a:r>
+            <a:r>
+              <a:rPr lang="ru-RU" dirty="0" smtClean="0"/>
+              <a:t>2)</a:t>
+            </a:r>
+            <a:endParaRPr lang="en-US" dirty="0"/>
+          </a:p>
+        </p:txBody>
+      </p:sp>
+      <p:sp>
+        <p:nvSpPr>
+          <p:cNvPr id="4" name="Footer Placeholder 3"/>
+          <p:cNvSpPr>
+            <a:spLocks noGrp="1"/>
+          </p:cNvSpPr>
+          <p:nvPr>
+            <p:ph type="ftr" sz="quarter" idx="11"/>
+          </p:nvPr>
+        </p:nvSpPr>
+        <p:spPr/>
+        <p:txBody>
+          <a:bodyPr/>
+          <a:lstStyle/>
+          <a:p>
+            <a:r>
+              <a:rPr lang="ru-RU" smtClean="0"/>
+              <a:t>Разработка алгоритмов нелинейной фильтрации на основе идентификации линейных по параметрам моделей, Елкин Д. А.</a:t>
+            </a:r>
+            <a:endParaRPr lang="en-US" dirty="0"/>
+          </a:p>
+        </p:txBody>
+      </p:sp>
+      <p:sp>
+        <p:nvSpPr>
+          <p:cNvPr id="5" name="Slide Number Placeholder 4"/>
+          <p:cNvSpPr>
+            <a:spLocks noGrp="1"/>
+          </p:cNvSpPr>
+          <p:nvPr>
+            <p:ph type="sldNum" sz="quarter" idx="12"/>
+          </p:nvPr>
+        </p:nvSpPr>
+        <p:spPr/>
+        <p:txBody>
+          <a:bodyPr/>
+          <a:lstStyle/>
+          <a:p>
+            <a:fld id="{6113E31D-E2AB-40D1-8B51-AFA5AFEF393A}" type="slidenum">
+              <a:rPr lang="en-US" smtClean="0"/>
+              <a:t>7</a:t>
+            </a:fld>
+            <a:r>
+              <a:rPr lang="en-US" dirty="0" smtClean="0"/>
+              <a:t>/12</a:t>
+            </a:r>
+            <a:endParaRPr lang="en-US" dirty="0"/>
+          </a:p>
+        </p:txBody>
+      </p:sp>
+      <p:sp>
+        <p:nvSpPr>
+          <p:cNvPr id="6" name="Rectangle 5"/>
           <p:cNvSpPr/>
           <p:nvPr/>
         </p:nvSpPr>
         <p:spPr>
           <a:xfrm>
-            <a:off x="9010227" y="2361916"/>
-            <a:ext cx="2145454" cy="429141"/>
+            <a:off x="1491389" y="3045928"/>
+            <a:ext cx="3300310" cy="599063"/>
           </a:xfrm>
           <a:prstGeom prst="rect">
             <a:avLst/>
@@ -11498,14 +11806,14 @@
               </a:spcAft>
             </a:pPr>
             <a:r>
-              <a:rPr lang="ru-RU" sz="1100" dirty="0">
+              <a:rPr lang="ru-RU" sz="2000" dirty="0">
                 <a:effectLst/>
                 <a:ea typeface="Calibri" panose="020F0502020204030204" pitchFamily="34" charset="0"/>
                 <a:cs typeface="Times New Roman" panose="02020603050405020304" pitchFamily="18" charset="0"/>
               </a:rPr>
               <a:t>Считывание картинки</a:t>
             </a:r>
-            <a:endParaRPr lang="en-US" sz="1100" dirty="0">
+            <a:endParaRPr lang="en-US" sz="2000" dirty="0">
               <a:effectLst/>
               <a:ea typeface="Calibri" panose="020F0502020204030204" pitchFamily="34" charset="0"/>
               <a:cs typeface="Times New Roman" panose="02020603050405020304" pitchFamily="18" charset="0"/>
@@ -11515,14 +11823,14 @@
       </p:sp>
       <p:sp>
         <p:nvSpPr>
-          <p:cNvPr id="65" name="Rectangle 64"/>
+          <p:cNvPr id="7" name="Rectangle 6"/>
           <p:cNvSpPr/>
           <p:nvPr/>
         </p:nvSpPr>
         <p:spPr>
           <a:xfrm>
-            <a:off x="9010225" y="2904951"/>
-            <a:ext cx="2145455" cy="433490"/>
+            <a:off x="1915156" y="4202207"/>
+            <a:ext cx="3300310" cy="599063"/>
           </a:xfrm>
           <a:prstGeom prst="rect">
             <a:avLst/>
@@ -11563,7 +11871,7 @@
               </a:spcAft>
             </a:pPr>
             <a:r>
-              <a:rPr lang="ru-RU" sz="1100" dirty="0">
+              <a:rPr lang="ru-RU" sz="2000" dirty="0">
                 <a:effectLst/>
                 <a:ea typeface="Calibri" panose="020F0502020204030204" pitchFamily="34" charset="0"/>
                 <a:cs typeface="Times New Roman" panose="02020603050405020304" pitchFamily="18" charset="0"/>
@@ -11571,14 +11879,14 @@
               <a:t>Обесцвечивание </a:t>
             </a:r>
             <a:r>
-              <a:rPr lang="ru-RU" sz="1100" dirty="0" smtClean="0">
+              <a:rPr lang="ru-RU" sz="2000" dirty="0" smtClean="0">
                 <a:effectLst/>
                 <a:ea typeface="Calibri" panose="020F0502020204030204" pitchFamily="34" charset="0"/>
                 <a:cs typeface="Times New Roman" panose="02020603050405020304" pitchFamily="18" charset="0"/>
               </a:rPr>
               <a:t>изображения</a:t>
             </a:r>
-            <a:endParaRPr lang="en-US" sz="1100" dirty="0">
+            <a:endParaRPr lang="en-US" sz="2000" dirty="0">
               <a:effectLst/>
               <a:ea typeface="Calibri" panose="020F0502020204030204" pitchFamily="34" charset="0"/>
               <a:cs typeface="Times New Roman" panose="02020603050405020304" pitchFamily="18" charset="0"/>
@@ -11588,14 +11896,14 @@
       </p:sp>
       <p:sp>
         <p:nvSpPr>
-          <p:cNvPr id="66" name="Rectangle 65"/>
+          <p:cNvPr id="8" name="Rectangle 7"/>
           <p:cNvSpPr/>
           <p:nvPr/>
         </p:nvSpPr>
         <p:spPr>
           <a:xfrm>
-            <a:off x="9010225" y="3441935"/>
-            <a:ext cx="2145455" cy="433490"/>
+            <a:off x="2236889" y="5452915"/>
+            <a:ext cx="3300310" cy="605281"/>
           </a:xfrm>
           <a:prstGeom prst="rect">
             <a:avLst/>
@@ -11636,14 +11944,14 @@
               </a:spcAft>
             </a:pPr>
             <a:r>
-              <a:rPr lang="ru-RU" sz="1100" dirty="0">
+              <a:rPr lang="ru-RU" sz="2000" dirty="0">
                 <a:effectLst/>
                 <a:ea typeface="Calibri" panose="020F0502020204030204" pitchFamily="34" charset="0"/>
                 <a:cs typeface="Times New Roman" panose="02020603050405020304" pitchFamily="18" charset="0"/>
               </a:rPr>
               <a:t>Размытие</a:t>
             </a:r>
-            <a:endParaRPr lang="en-US" sz="1100" dirty="0">
+            <a:endParaRPr lang="en-US" sz="2000" dirty="0">
               <a:effectLst/>
               <a:ea typeface="Calibri" panose="020F0502020204030204" pitchFamily="34" charset="0"/>
               <a:cs typeface="Times New Roman" panose="02020603050405020304" pitchFamily="18" charset="0"/>
@@ -11653,7 +11961,7 @@
       </p:sp>
       <p:sp>
         <p:nvSpPr>
-          <p:cNvPr id="67" name="Content Placeholder 5"/>
+          <p:cNvPr id="9" name="Content Placeholder 5"/>
           <p:cNvSpPr txBox="1">
             <a:spLocks/>
           </p:cNvSpPr>
@@ -11661,8 +11969,8 @@
         </p:nvSpPr>
         <p:spPr>
           <a:xfrm>
-            <a:off x="9010225" y="1820583"/>
-            <a:ext cx="2145455" cy="433490"/>
+            <a:off x="1097280" y="1841584"/>
+            <a:ext cx="3300310" cy="605281"/>
           </a:xfrm>
           <a:prstGeom prst="ellipse">
             <a:avLst/>
@@ -11921,13 +12229,13 @@
               </a:spcAft>
             </a:pPr>
             <a:r>
-              <a:rPr lang="ru-RU" sz="1100" smtClean="0">
+              <a:rPr lang="ru-RU" dirty="0" smtClean="0">
                 <a:ea typeface="Calibri" panose="020F0502020204030204" pitchFamily="34" charset="0"/>
                 <a:cs typeface="Times New Roman" panose="02020603050405020304" pitchFamily="18" charset="0"/>
               </a:rPr>
               <a:t>Начало</a:t>
             </a:r>
-            <a:endParaRPr lang="en-US" sz="1100">
+            <a:endParaRPr lang="en-US" dirty="0">
               <a:ea typeface="Calibri" panose="020F0502020204030204" pitchFamily="34" charset="0"/>
               <a:cs typeface="Times New Roman" panose="02020603050405020304" pitchFamily="18" charset="0"/>
             </a:endParaRPr>
@@ -11936,17 +12244,17 @@
       </p:sp>
       <p:cxnSp>
         <p:nvCxnSpPr>
-          <p:cNvPr id="68" name="Straight Arrow Connector 67"/>
+          <p:cNvPr id="10" name="Straight Arrow Connector 9"/>
           <p:cNvCxnSpPr>
-            <a:stCxn id="67" idx="4"/>
-            <a:endCxn id="64" idx="0"/>
+            <a:stCxn id="9" idx="4"/>
+            <a:endCxn id="6" idx="0"/>
           </p:cNvCxnSpPr>
           <p:nvPr/>
         </p:nvCxnSpPr>
         <p:spPr>
           <a:xfrm>
-            <a:off x="10082953" y="2254073"/>
-            <a:ext cx="1" cy="107843"/>
+            <a:off x="2747435" y="2446865"/>
+            <a:ext cx="394109" cy="599063"/>
           </a:xfrm>
           <a:prstGeom prst="straightConnector1">
             <a:avLst/>
@@ -11972,17 +12280,17 @@
       </p:cxnSp>
       <p:cxnSp>
         <p:nvCxnSpPr>
-          <p:cNvPr id="69" name="Straight Arrow Connector 68"/>
+          <p:cNvPr id="11" name="Straight Arrow Connector 10"/>
           <p:cNvCxnSpPr>
-            <a:stCxn id="64" idx="2"/>
-            <a:endCxn id="65" idx="0"/>
+            <a:stCxn id="6" idx="2"/>
+            <a:endCxn id="7" idx="0"/>
           </p:cNvCxnSpPr>
           <p:nvPr/>
         </p:nvCxnSpPr>
         <p:spPr>
-          <a:xfrm flipH="1">
-            <a:off x="10082953" y="2791057"/>
-            <a:ext cx="1" cy="113894"/>
+          <a:xfrm>
+            <a:off x="3141544" y="3644991"/>
+            <a:ext cx="423767" cy="557216"/>
           </a:xfrm>
           <a:prstGeom prst="straightConnector1">
             <a:avLst/>
@@ -12008,17 +12316,17 @@
       </p:cxnSp>
       <p:cxnSp>
         <p:nvCxnSpPr>
-          <p:cNvPr id="70" name="Straight Arrow Connector 69"/>
+          <p:cNvPr id="12" name="Straight Arrow Connector 11"/>
           <p:cNvCxnSpPr>
-            <a:stCxn id="65" idx="2"/>
-            <a:endCxn id="66" idx="0"/>
+            <a:stCxn id="7" idx="2"/>
+            <a:endCxn id="8" idx="0"/>
           </p:cNvCxnSpPr>
           <p:nvPr/>
         </p:nvCxnSpPr>
         <p:spPr>
           <a:xfrm>
-            <a:off x="10082953" y="3338441"/>
-            <a:ext cx="0" cy="103494"/>
+            <a:off x="3565311" y="4801270"/>
+            <a:ext cx="321733" cy="651645"/>
           </a:xfrm>
           <a:prstGeom prst="straightConnector1">
             <a:avLst/>
@@ -12044,14 +12352,14 @@
       </p:cxnSp>
       <p:sp>
         <p:nvSpPr>
-          <p:cNvPr id="71" name="Rectangle 70"/>
+          <p:cNvPr id="13" name="Rectangle 12"/>
           <p:cNvSpPr/>
           <p:nvPr/>
         </p:nvSpPr>
         <p:spPr>
           <a:xfrm>
-            <a:off x="9010224" y="3975186"/>
-            <a:ext cx="2145455" cy="433490"/>
+            <a:off x="6155650" y="5452915"/>
+            <a:ext cx="3300310" cy="605281"/>
           </a:xfrm>
           <a:prstGeom prst="rect">
             <a:avLst/>
@@ -12092,14 +12400,14 @@
               </a:spcAft>
             </a:pPr>
             <a:r>
-              <a:rPr lang="ru-RU" sz="1100" dirty="0" smtClean="0">
+              <a:rPr lang="ru-RU" sz="2000" dirty="0" smtClean="0">
                 <a:effectLst/>
                 <a:ea typeface="Calibri" panose="020F0502020204030204" pitchFamily="34" charset="0"/>
                 <a:cs typeface="Times New Roman" panose="02020603050405020304" pitchFamily="18" charset="0"/>
               </a:rPr>
               <a:t>Восстановление с помощью найденных параметров</a:t>
             </a:r>
-            <a:endParaRPr lang="en-US" sz="1100" dirty="0">
+            <a:endParaRPr lang="en-US" sz="2000" dirty="0">
               <a:effectLst/>
               <a:ea typeface="Calibri" panose="020F0502020204030204" pitchFamily="34" charset="0"/>
               <a:cs typeface="Times New Roman" panose="02020603050405020304" pitchFamily="18" charset="0"/>
@@ -12109,14 +12417,14 @@
       </p:sp>
       <p:sp>
         <p:nvSpPr>
-          <p:cNvPr id="72" name="Rectangle 71"/>
+          <p:cNvPr id="14" name="Rectangle 13"/>
           <p:cNvSpPr/>
           <p:nvPr/>
         </p:nvSpPr>
         <p:spPr>
           <a:xfrm>
-            <a:off x="9010222" y="4517370"/>
-            <a:ext cx="2145455" cy="433490"/>
+            <a:off x="6744081" y="4202206"/>
+            <a:ext cx="3300310" cy="599063"/>
           </a:xfrm>
           <a:prstGeom prst="rect">
             <a:avLst/>
@@ -12157,14 +12465,14 @@
               </a:spcAft>
             </a:pPr>
             <a:r>
-              <a:rPr lang="ru-RU" sz="1100" dirty="0" smtClean="0">
+              <a:rPr lang="ru-RU" sz="2000" dirty="0" smtClean="0">
                 <a:effectLst/>
                 <a:ea typeface="Calibri" panose="020F0502020204030204" pitchFamily="34" charset="0"/>
                 <a:cs typeface="Times New Roman" panose="02020603050405020304" pitchFamily="18" charset="0"/>
               </a:rPr>
               <a:t>Идентификация параметров для линейного фильтра</a:t>
             </a:r>
-            <a:endParaRPr lang="en-US" sz="1100" dirty="0">
+            <a:endParaRPr lang="en-US" sz="2000" dirty="0">
               <a:effectLst/>
               <a:ea typeface="Calibri" panose="020F0502020204030204" pitchFamily="34" charset="0"/>
               <a:cs typeface="Times New Roman" panose="02020603050405020304" pitchFamily="18" charset="0"/>
@@ -12174,14 +12482,14 @@
       </p:sp>
       <p:sp>
         <p:nvSpPr>
-          <p:cNvPr id="73" name="Rectangle 72"/>
+          <p:cNvPr id="15" name="Rectangle 14"/>
           <p:cNvSpPr/>
           <p:nvPr/>
         </p:nvSpPr>
         <p:spPr>
           <a:xfrm>
-            <a:off x="9010222" y="5059147"/>
-            <a:ext cx="2145455" cy="433490"/>
+            <a:off x="7256160" y="3040651"/>
+            <a:ext cx="3300310" cy="599063"/>
           </a:xfrm>
           <a:prstGeom prst="rect">
             <a:avLst/>
@@ -12222,13 +12530,13 @@
               </a:spcAft>
             </a:pPr>
             <a:r>
-              <a:rPr lang="ru-RU" sz="1100" dirty="0" smtClean="0">
+              <a:rPr lang="ru-RU" sz="2000" dirty="0" smtClean="0">
                 <a:ea typeface="Calibri" panose="020F0502020204030204" pitchFamily="34" charset="0"/>
                 <a:cs typeface="Times New Roman" panose="02020603050405020304" pitchFamily="18" charset="0"/>
               </a:rPr>
               <a:t>Восстановление с помощью линейного фильтра</a:t>
             </a:r>
-            <a:endParaRPr lang="en-US" sz="1100" dirty="0">
+            <a:endParaRPr lang="en-US" sz="2000" dirty="0">
               <a:effectLst/>
               <a:ea typeface="Calibri" panose="020F0502020204030204" pitchFamily="34" charset="0"/>
               <a:cs typeface="Times New Roman" panose="02020603050405020304" pitchFamily="18" charset="0"/>
@@ -12238,14 +12546,14 @@
       </p:sp>
       <p:sp>
         <p:nvSpPr>
-          <p:cNvPr id="75" name="Oval 74"/>
+          <p:cNvPr id="16" name="Oval 15"/>
           <p:cNvSpPr/>
           <p:nvPr/>
         </p:nvSpPr>
         <p:spPr>
           <a:xfrm>
-            <a:off x="9010221" y="5596538"/>
-            <a:ext cx="2145455" cy="434333"/>
+            <a:off x="7855370" y="1836307"/>
+            <a:ext cx="3300310" cy="605281"/>
           </a:xfrm>
           <a:prstGeom prst="ellipse">
             <a:avLst/>
@@ -12286,14 +12594,14 @@
               </a:spcAft>
             </a:pPr>
             <a:r>
-              <a:rPr lang="ru-RU" sz="1100">
+              <a:rPr lang="ru-RU" sz="2000" dirty="0">
                 <a:effectLst/>
                 <a:ea typeface="Calibri" panose="020F0502020204030204" pitchFamily="34" charset="0"/>
                 <a:cs typeface="Times New Roman" panose="02020603050405020304" pitchFamily="18" charset="0"/>
               </a:rPr>
               <a:t>Конец</a:t>
             </a:r>
-            <a:endParaRPr lang="en-US" sz="1100">
+            <a:endParaRPr lang="en-US" sz="2000" dirty="0">
               <a:effectLst/>
               <a:ea typeface="Calibri" panose="020F0502020204030204" pitchFamily="34" charset="0"/>
               <a:cs typeface="Times New Roman" panose="02020603050405020304" pitchFamily="18" charset="0"/>
@@ -12303,17 +12611,17 @@
       </p:sp>
       <p:cxnSp>
         <p:nvCxnSpPr>
-          <p:cNvPr id="77" name="Straight Arrow Connector 76"/>
+          <p:cNvPr id="17" name="Straight Arrow Connector 16"/>
           <p:cNvCxnSpPr>
-            <a:stCxn id="66" idx="2"/>
-            <a:endCxn id="71" idx="0"/>
+            <a:stCxn id="8" idx="3"/>
+            <a:endCxn id="13" idx="1"/>
           </p:cNvCxnSpPr>
           <p:nvPr/>
         </p:nvCxnSpPr>
         <p:spPr>
-          <a:xfrm flipH="1">
-            <a:off x="10082952" y="3875425"/>
-            <a:ext cx="1" cy="99761"/>
+          <a:xfrm>
+            <a:off x="5537199" y="5755556"/>
+            <a:ext cx="618451" cy="0"/>
           </a:xfrm>
           <a:prstGeom prst="straightConnector1">
             <a:avLst/>
@@ -12339,17 +12647,17 @@
       </p:cxnSp>
       <p:cxnSp>
         <p:nvCxnSpPr>
-          <p:cNvPr id="79" name="Straight Arrow Connector 78"/>
+          <p:cNvPr id="18" name="Straight Arrow Connector 17"/>
           <p:cNvCxnSpPr>
-            <a:stCxn id="71" idx="2"/>
-            <a:endCxn id="72" idx="0"/>
+            <a:stCxn id="13" idx="0"/>
+            <a:endCxn id="14" idx="2"/>
           </p:cNvCxnSpPr>
           <p:nvPr/>
         </p:nvCxnSpPr>
         <p:spPr>
-          <a:xfrm flipH="1">
-            <a:off x="10082950" y="4408676"/>
-            <a:ext cx="2" cy="108694"/>
+          <a:xfrm flipV="1">
+            <a:off x="7805805" y="4801269"/>
+            <a:ext cx="588431" cy="651646"/>
           </a:xfrm>
           <a:prstGeom prst="straightConnector1">
             <a:avLst/>
@@ -12375,17 +12683,17 @@
       </p:cxnSp>
       <p:cxnSp>
         <p:nvCxnSpPr>
-          <p:cNvPr id="81" name="Straight Arrow Connector 80"/>
+          <p:cNvPr id="19" name="Straight Arrow Connector 18"/>
           <p:cNvCxnSpPr>
-            <a:stCxn id="72" idx="2"/>
-            <a:endCxn id="73" idx="0"/>
+            <a:stCxn id="14" idx="0"/>
+            <a:endCxn id="15" idx="2"/>
           </p:cNvCxnSpPr>
           <p:nvPr/>
         </p:nvCxnSpPr>
         <p:spPr>
-          <a:xfrm>
-            <a:off x="10082950" y="4950860"/>
-            <a:ext cx="0" cy="108287"/>
+          <a:xfrm flipV="1">
+            <a:off x="8394236" y="3639714"/>
+            <a:ext cx="512079" cy="562492"/>
           </a:xfrm>
           <a:prstGeom prst="straightConnector1">
             <a:avLst/>
@@ -12411,17 +12719,17 @@
       </p:cxnSp>
       <p:cxnSp>
         <p:nvCxnSpPr>
-          <p:cNvPr id="83" name="Straight Arrow Connector 82"/>
+          <p:cNvPr id="20" name="Straight Arrow Connector 19"/>
           <p:cNvCxnSpPr>
-            <a:stCxn id="73" idx="2"/>
-            <a:endCxn id="75" idx="0"/>
+            <a:stCxn id="15" idx="0"/>
+            <a:endCxn id="16" idx="4"/>
           </p:cNvCxnSpPr>
           <p:nvPr/>
         </p:nvCxnSpPr>
         <p:spPr>
-          <a:xfrm flipH="1">
-            <a:off x="10082949" y="5492637"/>
-            <a:ext cx="1" cy="103901"/>
+          <a:xfrm flipV="1">
+            <a:off x="8906315" y="2441588"/>
+            <a:ext cx="599210" cy="599063"/>
           </a:xfrm>
           <a:prstGeom prst="straightConnector1">
             <a:avLst/>
@@ -12448,7 +12756,7 @@
     </p:spTree>
     <p:extLst>
       <p:ext uri="{BB962C8B-B14F-4D97-AF65-F5344CB8AC3E}">
-        <p14:creationId xmlns:p14="http://schemas.microsoft.com/office/powerpoint/2010/main" val="3291219883"/>
+        <p14:creationId xmlns:p14="http://schemas.microsoft.com/office/powerpoint/2010/main" val="1279233624"/>
       </p:ext>
     </p:extLst>
   </p:cSld>
@@ -12465,7 +12773,7 @@
 </p:sld>
 </file>
 
-<file path=ppt/slides/slide7.xml><?xml version="1.0" encoding="utf-8"?>
+<file path=ppt/slides/slide8.xml><?xml version="1.0" encoding="utf-8"?>
 <p:sld xmlns:a="http://schemas.openxmlformats.org/drawingml/2006/main" xmlns:r="http://schemas.openxmlformats.org/officeDocument/2006/relationships" xmlns:p="http://schemas.openxmlformats.org/presentationml/2006/main">
   <p:cSld>
     <p:spTree>
@@ -12574,11 +12882,11 @@
           <a:p>
             <a:fld id="{6113E31D-E2AB-40D1-8B51-AFA5AFEF393A}" type="slidenum">
               <a:rPr lang="en-US" smtClean="0"/>
-              <a:t>7</a:t>
+              <a:t>8</a:t>
             </a:fld>
             <a:r>
               <a:rPr lang="ru-RU" dirty="0" smtClean="0"/>
-              <a:t>/11</a:t>
+              <a:t>/12</a:t>
             </a:r>
             <a:endParaRPr lang="en-US" dirty="0"/>
           </a:p>
@@ -12624,10 +12932,17 @@
   <p:clrMapOvr>
     <a:masterClrMapping/>
   </p:clrMapOvr>
+  <p:timing>
+    <p:tnLst>
+      <p:par>
+        <p:cTn id="1" dur="indefinite" restart="never" nodeType="tmRoot"/>
+      </p:par>
+    </p:tnLst>
+  </p:timing>
 </p:sld>
 </file>
 
-<file path=ppt/slides/slide8.xml><?xml version="1.0" encoding="utf-8"?>
+<file path=ppt/slides/slide9.xml><?xml version="1.0" encoding="utf-8"?>
 <p:sld xmlns:a="http://schemas.openxmlformats.org/drawingml/2006/main" xmlns:r="http://schemas.openxmlformats.org/officeDocument/2006/relationships" xmlns:p="http://schemas.openxmlformats.org/presentationml/2006/main">
   <p:cSld>
     <p:spTree>
@@ -12736,11 +13051,11 @@
           <a:p>
             <a:fld id="{6113E31D-E2AB-40D1-8B51-AFA5AFEF393A}" type="slidenum">
               <a:rPr lang="en-US" smtClean="0"/>
-              <a:t>8</a:t>
+              <a:t>9</a:t>
             </a:fld>
             <a:r>
               <a:rPr lang="ru-RU" dirty="0" smtClean="0"/>
-              <a:t>/11</a:t>
+              <a:t>/12</a:t>
             </a:r>
             <a:endParaRPr lang="en-US" dirty="0"/>
           </a:p>
@@ -12840,168 +13155,6 @@
     <p:extLst>
       <p:ext uri="{BB962C8B-B14F-4D97-AF65-F5344CB8AC3E}">
         <p14:creationId xmlns:p14="http://schemas.microsoft.com/office/powerpoint/2010/main" val="4267473106"/>
-      </p:ext>
-    </p:extLst>
-  </p:cSld>
-  <p:clrMapOvr>
-    <a:masterClrMapping/>
-  </p:clrMapOvr>
-</p:sld>
-</file>
-
-<file path=ppt/slides/slide9.xml><?xml version="1.0" encoding="utf-8"?>
-<p:sld xmlns:a="http://schemas.openxmlformats.org/drawingml/2006/main" xmlns:r="http://schemas.openxmlformats.org/officeDocument/2006/relationships" xmlns:p="http://schemas.openxmlformats.org/presentationml/2006/main">
-  <p:cSld>
-    <p:spTree>
-      <p:nvGrpSpPr>
-        <p:cNvPr id="1" name=""/>
-        <p:cNvGrpSpPr/>
-        <p:nvPr/>
-      </p:nvGrpSpPr>
-      <p:grpSpPr>
-        <a:xfrm>
-          <a:off x="0" y="0"/>
-          <a:ext cx="0" cy="0"/>
-          <a:chOff x="0" y="0"/>
-          <a:chExt cx="0" cy="0"/>
-        </a:xfrm>
-      </p:grpSpPr>
-      <p:sp>
-        <p:nvSpPr>
-          <p:cNvPr id="2" name="Title 1"/>
-          <p:cNvSpPr>
-            <a:spLocks noGrp="1"/>
-          </p:cNvSpPr>
-          <p:nvPr>
-            <p:ph type="title"/>
-          </p:nvPr>
-        </p:nvSpPr>
-        <p:spPr/>
-        <p:txBody>
-          <a:bodyPr/>
-          <a:lstStyle/>
-          <a:p>
-            <a:r>
-              <a:rPr lang="ru-RU" dirty="0" smtClean="0"/>
-              <a:t>Исходное контрольное и размытое изображение</a:t>
-            </a:r>
-            <a:endParaRPr lang="en-US" dirty="0"/>
-          </a:p>
-        </p:txBody>
-      </p:sp>
-      <p:pic>
-        <p:nvPicPr>
-          <p:cNvPr id="6" name="Content Placeholder 5"/>
-          <p:cNvPicPr>
-            <a:picLocks noGrp="1" noChangeAspect="1"/>
-          </p:cNvPicPr>
-          <p:nvPr>
-            <p:ph idx="1"/>
-          </p:nvPr>
-        </p:nvPicPr>
-        <p:blipFill>
-          <a:blip r:embed="rId2">
-            <a:extLst>
-              <a:ext uri="{28A0092B-C50C-407E-A947-70E740481C1C}">
-                <a14:useLocalDpi xmlns:a14="http://schemas.microsoft.com/office/drawing/2010/main" val="0"/>
-              </a:ext>
-            </a:extLst>
-          </a:blip>
-          <a:stretch>
-            <a:fillRect/>
-          </a:stretch>
-        </p:blipFill>
-        <p:spPr>
-          <a:xfrm>
-            <a:off x="7440930" y="1952625"/>
-            <a:ext cx="3714750" cy="3810000"/>
-          </a:xfrm>
-        </p:spPr>
-      </p:pic>
-      <p:sp>
-        <p:nvSpPr>
-          <p:cNvPr id="4" name="Footer Placeholder 3"/>
-          <p:cNvSpPr>
-            <a:spLocks noGrp="1"/>
-          </p:cNvSpPr>
-          <p:nvPr>
-            <p:ph type="ftr" sz="quarter" idx="11"/>
-          </p:nvPr>
-        </p:nvSpPr>
-        <p:spPr/>
-        <p:txBody>
-          <a:bodyPr/>
-          <a:lstStyle/>
-          <a:p>
-            <a:r>
-              <a:rPr lang="ru-RU" smtClean="0"/>
-              <a:t>Разработка алгоритмов нелинейной фильтрации на основе идентификации линейных по параметрам моделей, Елкин Д. А.</a:t>
-            </a:r>
-            <a:endParaRPr lang="en-US" dirty="0"/>
-          </a:p>
-        </p:txBody>
-      </p:sp>
-      <p:sp>
-        <p:nvSpPr>
-          <p:cNvPr id="5" name="Slide Number Placeholder 4"/>
-          <p:cNvSpPr>
-            <a:spLocks noGrp="1"/>
-          </p:cNvSpPr>
-          <p:nvPr>
-            <p:ph type="sldNum" sz="quarter" idx="12"/>
-          </p:nvPr>
-        </p:nvSpPr>
-        <p:spPr/>
-        <p:txBody>
-          <a:bodyPr/>
-          <a:lstStyle/>
-          <a:p>
-            <a:fld id="{6113E31D-E2AB-40D1-8B51-AFA5AFEF393A}" type="slidenum">
-              <a:rPr lang="en-US" smtClean="0"/>
-              <a:t>9</a:t>
-            </a:fld>
-            <a:r>
-              <a:rPr lang="ru-RU" dirty="0" smtClean="0"/>
-              <a:t>/11</a:t>
-            </a:r>
-            <a:endParaRPr lang="en-US" dirty="0"/>
-          </a:p>
-        </p:txBody>
-      </p:sp>
-      <p:pic>
-        <p:nvPicPr>
-          <p:cNvPr id="7" name="Picture 6"/>
-          <p:cNvPicPr>
-            <a:picLocks noChangeAspect="1"/>
-          </p:cNvPicPr>
-          <p:nvPr/>
-        </p:nvPicPr>
-        <p:blipFill>
-          <a:blip r:embed="rId3">
-            <a:extLst>
-              <a:ext uri="{28A0092B-C50C-407E-A947-70E740481C1C}">
-                <a14:useLocalDpi xmlns:a14="http://schemas.microsoft.com/office/drawing/2010/main" val="0"/>
-              </a:ext>
-            </a:extLst>
-          </a:blip>
-          <a:stretch>
-            <a:fillRect/>
-          </a:stretch>
-        </p:blipFill>
-        <p:spPr>
-          <a:xfrm>
-            <a:off x="1097280" y="1952625"/>
-            <a:ext cx="3714750" cy="3810000"/>
-          </a:xfrm>
-          <a:prstGeom prst="rect">
-            <a:avLst/>
-          </a:prstGeom>
-        </p:spPr>
-      </p:pic>
-    </p:spTree>
-    <p:extLst>
-      <p:ext uri="{BB962C8B-B14F-4D97-AF65-F5344CB8AC3E}">
-        <p14:creationId xmlns:p14="http://schemas.microsoft.com/office/powerpoint/2010/main" val="3578731368"/>
       </p:ext>
     </p:extLst>
   </p:cSld>
